--- a/trunk/ tsp01-contratos-clientes/ITERACION02_TP01/S03/PPT I02 SI03 MCUS v2.pptx
+++ b/trunk/ tsp01-contratos-clientes/ITERACION02_TP01/S03/PPT I02 SI03 MCUS v2.pptx
@@ -5,7 +5,7 @@
     <p:sldMasterId id="2147483660" r:id="rId1"/>
   </p:sldMasterIdLst>
   <p:notesMasterIdLst>
-    <p:notesMasterId r:id="rId37"/>
+    <p:notesMasterId r:id="rId34"/>
   </p:notesMasterIdLst>
   <p:sldIdLst>
     <p:sldId id="256" r:id="rId2"/>
@@ -24,25 +24,22 @@
     <p:sldId id="328" r:id="rId15"/>
     <p:sldId id="317" r:id="rId16"/>
     <p:sldId id="318" r:id="rId17"/>
-    <p:sldId id="304" r:id="rId18"/>
-    <p:sldId id="319" r:id="rId19"/>
-    <p:sldId id="305" r:id="rId20"/>
-    <p:sldId id="310" r:id="rId21"/>
-    <p:sldId id="313" r:id="rId22"/>
-    <p:sldId id="311" r:id="rId23"/>
-    <p:sldId id="312" r:id="rId24"/>
-    <p:sldId id="314" r:id="rId25"/>
-    <p:sldId id="315" r:id="rId26"/>
-    <p:sldId id="316" r:id="rId27"/>
-    <p:sldId id="320" r:id="rId28"/>
-    <p:sldId id="321" r:id="rId29"/>
-    <p:sldId id="322" r:id="rId30"/>
-    <p:sldId id="323" r:id="rId31"/>
-    <p:sldId id="324" r:id="rId32"/>
-    <p:sldId id="325" r:id="rId33"/>
-    <p:sldId id="326" r:id="rId34"/>
-    <p:sldId id="327" r:id="rId35"/>
-    <p:sldId id="299" r:id="rId36"/>
+    <p:sldId id="310" r:id="rId18"/>
+    <p:sldId id="313" r:id="rId19"/>
+    <p:sldId id="311" r:id="rId20"/>
+    <p:sldId id="312" r:id="rId21"/>
+    <p:sldId id="314" r:id="rId22"/>
+    <p:sldId id="315" r:id="rId23"/>
+    <p:sldId id="316" r:id="rId24"/>
+    <p:sldId id="320" r:id="rId25"/>
+    <p:sldId id="321" r:id="rId26"/>
+    <p:sldId id="322" r:id="rId27"/>
+    <p:sldId id="323" r:id="rId28"/>
+    <p:sldId id="324" r:id="rId29"/>
+    <p:sldId id="325" r:id="rId30"/>
+    <p:sldId id="326" r:id="rId31"/>
+    <p:sldId id="327" r:id="rId32"/>
+    <p:sldId id="299" r:id="rId33"/>
   </p:sldIdLst>
   <p:sldSz cx="9144000" cy="6858000" type="screen4x3"/>
   <p:notesSz cx="6858000" cy="9144000"/>
@@ -276,7 +273,7 @@
             <a:pPr>
               <a:defRPr/>
             </a:pPr>
-            <a:fld id="{BBC278B1-A269-4BB5-9FF3-3EE5FDB5A259}" type="datetimeFigureOut">
+            <a:fld id="{70BD1623-D26C-470D-913A-F62CD889686F}" type="datetimeFigureOut">
               <a:rPr lang="es-PE"/>
               <a:pPr>
                 <a:defRPr/>
@@ -463,7 +460,7 @@
             <a:pPr>
               <a:defRPr/>
             </a:pPr>
-            <a:fld id="{A99AFE81-AB55-44BA-B5B4-0938E14FBEAD}" type="slidenum">
+            <a:fld id="{C0B5DC2D-20DB-4A8D-9F09-31F6FE21AC99}" type="slidenum">
               <a:rPr lang="es-PE"/>
               <a:pPr>
                 <a:defRPr/>
@@ -621,7 +618,7 @@
       </p:grpSpPr>
       <p:sp>
         <p:nvSpPr>
-          <p:cNvPr id="29697" name="1 Marcador de imagen de diapositiva"/>
+          <p:cNvPr id="28673" name="1 Marcador de imagen de diapositiva"/>
           <p:cNvSpPr>
             <a:spLocks noGrp="1" noRot="1" noChangeAspect="1"/>
           </p:cNvSpPr>
@@ -643,7 +640,7 @@
       </p:sp>
       <p:sp>
         <p:nvSpPr>
-          <p:cNvPr id="29698" name="2 Marcador de notas"/>
+          <p:cNvPr id="28674" name="2 Marcador de notas"/>
           <p:cNvSpPr>
             <a:spLocks noGrp="1"/>
           </p:cNvSpPr>
@@ -705,7 +702,7 @@
               </a:spcAft>
               <a:defRPr/>
             </a:pPr>
-            <a:fld id="{66B78B9C-1618-48D5-9380-C1236FE43F40}" type="slidenum">
+            <a:fld id="{6C6DEC3A-E8DF-46F0-A8CD-FC0D87511603}" type="slidenum">
               <a:rPr lang="es-PE"/>
               <a:pPr fontAlgn="base">
                 <a:spcBef>
@@ -749,7 +746,7 @@
       </p:grpSpPr>
       <p:sp>
         <p:nvSpPr>
-          <p:cNvPr id="59394" name="1 Marcador de imagen de diapositiva"/>
+          <p:cNvPr id="30721" name="1 Marcador de imagen de diapositiva"/>
           <p:cNvSpPr>
             <a:spLocks noGrp="1" noRot="1" noChangeAspect="1" noTextEdit="1"/>
           </p:cNvSpPr>
@@ -771,7 +768,7 @@
       </p:sp>
       <p:sp>
         <p:nvSpPr>
-          <p:cNvPr id="59395" name="2 Marcador de notas"/>
+          <p:cNvPr id="30722" name="2 Marcador de notas"/>
           <p:cNvSpPr>
             <a:spLocks noGrp="1"/>
           </p:cNvSpPr>
@@ -829,7 +826,7 @@
             <a:pPr algn="r">
               <a:defRPr/>
             </a:pPr>
-            <a:fld id="{83BD8865-D0AB-4E79-BA7E-17F7ED4F76F0}" type="slidenum">
+            <a:fld id="{CDEF7188-5507-4181-A09F-02558A661289}" type="slidenum">
               <a:rPr lang="es-PE" sz="1200" u="none">
                 <a:latin typeface="+mn-lt"/>
               </a:rPr>
@@ -841,134 +838,6 @@
             <a:endParaRPr lang="es-PE" sz="1200" u="none">
               <a:latin typeface="+mn-lt"/>
             </a:endParaRPr>
-          </a:p>
-        </p:txBody>
-      </p:sp>
-    </p:spTree>
-  </p:cSld>
-  <p:clrMapOvr>
-    <a:masterClrMapping/>
-  </p:clrMapOvr>
-</p:notes>
-</file>
-
-<file path=ppt/notesSlides/notesSlide3.xml><?xml version="1.0" encoding="utf-8"?>
-<p:notes xmlns:a="http://schemas.openxmlformats.org/drawingml/2006/main" xmlns:r="http://schemas.openxmlformats.org/officeDocument/2006/relationships" xmlns:p="http://schemas.openxmlformats.org/presentationml/2006/main">
-  <p:cSld>
-    <p:spTree>
-      <p:nvGrpSpPr>
-        <p:cNvPr id="1" name=""/>
-        <p:cNvGrpSpPr/>
-        <p:nvPr/>
-      </p:nvGrpSpPr>
-      <p:grpSpPr>
-        <a:xfrm>
-          <a:off x="0" y="0"/>
-          <a:ext cx="0" cy="0"/>
-          <a:chOff x="0" y="0"/>
-          <a:chExt cx="0" cy="0"/>
-        </a:xfrm>
-      </p:grpSpPr>
-      <p:sp>
-        <p:nvSpPr>
-          <p:cNvPr id="27649" name="1 Marcador de imagen de diapositiva"/>
-          <p:cNvSpPr>
-            <a:spLocks noGrp="1" noRot="1" noChangeAspect="1"/>
-          </p:cNvSpPr>
-          <p:nvPr>
-            <p:ph type="sldImg"/>
-          </p:nvPr>
-        </p:nvSpPr>
-        <p:spPr bwMode="auto">
-          <a:noFill/>
-          <a:ln>
-            <a:solidFill>
-              <a:srgbClr val="000000"/>
-            </a:solidFill>
-            <a:miter lim="800000"/>
-            <a:headEnd/>
-            <a:tailEnd/>
-          </a:ln>
-        </p:spPr>
-      </p:sp>
-      <p:sp>
-        <p:nvSpPr>
-          <p:cNvPr id="27650" name="2 Marcador de notas"/>
-          <p:cNvSpPr>
-            <a:spLocks noGrp="1"/>
-          </p:cNvSpPr>
-          <p:nvPr>
-            <p:ph type="body" idx="1"/>
-          </p:nvPr>
-        </p:nvSpPr>
-        <p:spPr bwMode="auto">
-          <a:noFill/>
-        </p:spPr>
-        <p:txBody>
-          <a:bodyPr wrap="square" numCol="1" anchor="t" anchorCtr="0" compatLnSpc="1">
-            <a:prstTxWarp prst="textNoShape">
-              <a:avLst/>
-            </a:prstTxWarp>
-          </a:bodyPr>
-          <a:lstStyle/>
-          <a:p>
-            <a:pPr eaLnBrk="1" hangingPunct="1">
-              <a:spcBef>
-                <a:spcPct val="0"/>
-              </a:spcBef>
-            </a:pPr>
-            <a:endParaRPr lang="es-ES" smtClean="0"/>
-          </a:p>
-        </p:txBody>
-      </p:sp>
-      <p:sp>
-        <p:nvSpPr>
-          <p:cNvPr id="23555" name="3 Marcador de número de diapositiva"/>
-          <p:cNvSpPr>
-            <a:spLocks noGrp="1"/>
-          </p:cNvSpPr>
-          <p:nvPr>
-            <p:ph type="sldNum" sz="quarter" idx="5"/>
-          </p:nvPr>
-        </p:nvSpPr>
-        <p:spPr bwMode="auto">
-          <a:ln>
-            <a:miter lim="800000"/>
-            <a:headEnd/>
-            <a:tailEnd/>
-          </a:ln>
-        </p:spPr>
-        <p:txBody>
-          <a:bodyPr wrap="square" numCol="1" anchorCtr="0" compatLnSpc="1">
-            <a:prstTxWarp prst="textNoShape">
-              <a:avLst/>
-            </a:prstTxWarp>
-          </a:bodyPr>
-          <a:lstStyle/>
-          <a:p>
-            <a:pPr fontAlgn="base">
-              <a:spcBef>
-                <a:spcPct val="0"/>
-              </a:spcBef>
-              <a:spcAft>
-                <a:spcPct val="0"/>
-              </a:spcAft>
-              <a:defRPr/>
-            </a:pPr>
-            <a:fld id="{5996184E-E4E6-4DF6-8702-BD9FAE58ED5C}" type="slidenum">
-              <a:rPr lang="es-PE"/>
-              <a:pPr fontAlgn="base">
-                <a:spcBef>
-                  <a:spcPct val="0"/>
-                </a:spcBef>
-                <a:spcAft>
-                  <a:spcPct val="0"/>
-                </a:spcAft>
-                <a:defRPr/>
-              </a:pPr>
-              <a:t>19</a:t>
-            </a:fld>
-            <a:endParaRPr lang="es-PE"/>
           </a:p>
         </p:txBody>
       </p:sp>
@@ -2840,7 +2709,7 @@
             <a:pPr>
               <a:defRPr/>
             </a:pPr>
-            <a:fld id="{685FBD20-C342-4F88-A0AB-CDEA8D6F2576}" type="datetimeFigureOut">
+            <a:fld id="{F00862C7-6BDD-481F-B650-E8891B1D67C3}" type="datetimeFigureOut">
               <a:rPr lang="es-PE"/>
               <a:pPr>
                 <a:defRPr/>
@@ -2899,7 +2768,7 @@
             <a:pPr>
               <a:defRPr/>
             </a:pPr>
-            <a:fld id="{F769072A-BE84-464C-A328-D6355CA2F28A}" type="slidenum">
+            <a:fld id="{473FE613-4096-4AC5-9028-050423702075}" type="slidenum">
               <a:rPr lang="es-PE"/>
               <a:pPr>
                 <a:defRPr/>
@@ -3048,7 +2917,7 @@
             <a:pPr>
               <a:defRPr/>
             </a:pPr>
-            <a:fld id="{E01CA008-6DBB-4BAF-9AA4-EE5302CBC023}" type="datetimeFigureOut">
+            <a:fld id="{13907304-D235-4381-B633-269377CA99FE}" type="datetimeFigureOut">
               <a:rPr lang="es-PE"/>
               <a:pPr>
                 <a:defRPr/>
@@ -3107,7 +2976,7 @@
             <a:pPr>
               <a:defRPr/>
             </a:pPr>
-            <a:fld id="{BB92C0DD-1188-4CB8-89AB-50D30D5733F7}" type="slidenum">
+            <a:fld id="{6E9CF2B2-76E4-47CF-A1B6-3CBDEED81B8B}" type="slidenum">
               <a:rPr lang="es-PE"/>
               <a:pPr>
                 <a:defRPr/>
@@ -4953,7 +4822,7 @@
             <a:pPr>
               <a:defRPr/>
             </a:pPr>
-            <a:fld id="{A3D1710C-A7AA-4788-882B-4D600EE998EA}" type="datetimeFigureOut">
+            <a:fld id="{3F023BBD-0CFE-4DB0-88F8-AD05F638C28E}" type="datetimeFigureOut">
               <a:rPr lang="es-PE"/>
               <a:pPr>
                 <a:defRPr/>
@@ -5012,7 +4881,7 @@
             <a:pPr>
               <a:defRPr/>
             </a:pPr>
-            <a:fld id="{2F8C98FC-A162-4705-B3ED-0458FC83F5F3}" type="slidenum">
+            <a:fld id="{A54248F4-F595-4EB6-87C8-492B6354EA7A}" type="slidenum">
               <a:rPr lang="es-PE"/>
               <a:pPr>
                 <a:defRPr/>
@@ -5070,7 +4939,7 @@
             <a:pPr>
               <a:defRPr/>
             </a:pPr>
-            <a:fld id="{4E5F522C-02BD-4BE0-BF11-D415BAAC946D}" type="datetimeFigureOut">
+            <a:fld id="{74A0BE89-8614-4347-B36E-82849555E7A9}" type="datetimeFigureOut">
               <a:rPr lang="es-PE"/>
               <a:pPr>
                 <a:defRPr/>
@@ -5129,7 +4998,7 @@
             <a:pPr>
               <a:defRPr/>
             </a:pPr>
-            <a:fld id="{7BAF2D25-A6AD-4C3A-8818-B9F64EAAA59C}" type="slidenum">
+            <a:fld id="{CACE748B-28F4-4F7D-9561-658E6669B235}" type="slidenum">
               <a:rPr lang="es-PE"/>
               <a:pPr>
                 <a:defRPr/>
@@ -5262,7 +5131,7 @@
             <a:pPr>
               <a:defRPr/>
             </a:pPr>
-            <a:fld id="{9D5EA9AA-773F-4093-BF79-D11DC8C693B7}" type="datetimeFigureOut">
+            <a:fld id="{A350984B-CED1-469A-8ABA-3A8F4243C933}" type="datetimeFigureOut">
               <a:rPr lang="es-PE"/>
               <a:pPr>
                 <a:defRPr/>
@@ -5321,7 +5190,7 @@
             <a:pPr>
               <a:defRPr/>
             </a:pPr>
-            <a:fld id="{C5E21C32-1FA7-4C30-B48C-56A64992F85A}" type="slidenum">
+            <a:fld id="{F0DF84C4-C703-4F45-A5E9-BA0747EAB7D1}" type="slidenum">
               <a:rPr lang="es-PE"/>
               <a:pPr>
                 <a:defRPr/>
@@ -7179,7 +7048,7 @@
             <a:pPr>
               <a:defRPr/>
             </a:pPr>
-            <a:fld id="{11DB3F60-A8BE-4EA1-893D-CBE7A35B3522}" type="datetimeFigureOut">
+            <a:fld id="{C6150DFA-0F3F-4A93-9011-0D5162514B20}" type="datetimeFigureOut">
               <a:rPr lang="es-PE"/>
               <a:pPr>
                 <a:defRPr/>
@@ -7238,7 +7107,7 @@
             <a:pPr>
               <a:defRPr/>
             </a:pPr>
-            <a:fld id="{578FF3F5-94D0-461C-84E2-BA906DE65100}" type="slidenum">
+            <a:fld id="{4D2EB5A5-8A20-4A56-B8AA-4E43A554AB29}" type="slidenum">
               <a:rPr lang="es-PE"/>
               <a:pPr>
                 <a:defRPr/>
@@ -7433,7 +7302,7 @@
             <a:pPr>
               <a:defRPr/>
             </a:pPr>
-            <a:fld id="{A686842B-9EF1-44EF-B9A6-BB0F9D57C762}" type="datetimeFigureOut">
+            <a:fld id="{37C790A2-0F66-4A39-9792-A7EE1D1B633E}" type="datetimeFigureOut">
               <a:rPr lang="es-PE"/>
               <a:pPr>
                 <a:defRPr/>
@@ -7492,7 +7361,7 @@
             <a:pPr>
               <a:defRPr/>
             </a:pPr>
-            <a:fld id="{AA8CF643-5673-4854-A07E-70BF9C22B871}" type="slidenum">
+            <a:fld id="{DD55BAA1-CAC4-4DA2-817E-FB4A9B00DEF8}" type="slidenum">
               <a:rPr lang="es-PE"/>
               <a:pPr>
                 <a:defRPr/>
@@ -7887,7 +7756,7 @@
             <a:pPr>
               <a:defRPr/>
             </a:pPr>
-            <a:fld id="{D2DD44FD-2545-41F7-9D52-11E5C173BBE9}" type="datetimeFigureOut">
+            <a:fld id="{3034BACE-90ED-48E3-855B-31A241F02C1D}" type="datetimeFigureOut">
               <a:rPr lang="es-PE"/>
               <a:pPr>
                 <a:defRPr/>
@@ -7946,7 +7815,7 @@
             <a:pPr>
               <a:defRPr/>
             </a:pPr>
-            <a:fld id="{53C1A3F9-994E-4E7A-B40E-31FDDF5B86CA}" type="slidenum">
+            <a:fld id="{6A916BAD-4823-4239-BE2C-0169CF0041D3}" type="slidenum">
               <a:rPr lang="es-PE"/>
               <a:pPr>
                 <a:defRPr/>
@@ -8027,7 +7896,7 @@
             <a:pPr>
               <a:defRPr/>
             </a:pPr>
-            <a:fld id="{BC5B5383-F7E6-4334-8855-47E2C857F398}" type="datetimeFigureOut">
+            <a:fld id="{D02179EA-A0EE-40A3-BFDC-55B03CF967A7}" type="datetimeFigureOut">
               <a:rPr lang="es-PE"/>
               <a:pPr>
                 <a:defRPr/>
@@ -8086,7 +7955,7 @@
             <a:pPr>
               <a:defRPr/>
             </a:pPr>
-            <a:fld id="{423377B4-CD3B-43ED-BD81-E4B0FE4EC3F5}" type="slidenum">
+            <a:fld id="{C266F1E8-9E5C-4313-AFEB-01BDF3D86E68}" type="slidenum">
               <a:rPr lang="es-PE"/>
               <a:pPr>
                 <a:defRPr/>
@@ -9808,7 +9677,7 @@
             <a:pPr>
               <a:defRPr/>
             </a:pPr>
-            <a:fld id="{0FEDA2E5-4005-45E0-97E3-D32A06CBBB5F}" type="datetimeFigureOut">
+            <a:fld id="{3E73EB68-2280-4323-92E9-53193A890B79}" type="datetimeFigureOut">
               <a:rPr lang="es-PE"/>
               <a:pPr>
                 <a:defRPr/>
@@ -9867,7 +9736,7 @@
             <a:pPr>
               <a:defRPr/>
             </a:pPr>
-            <a:fld id="{CCC75339-1717-4263-81CF-3763C77869F8}" type="slidenum">
+            <a:fld id="{60764775-C11C-421B-AC5B-A563531E283B}" type="slidenum">
               <a:rPr lang="es-PE"/>
               <a:pPr>
                 <a:defRPr/>
@@ -11824,7 +11693,7 @@
             <a:pPr>
               <a:defRPr/>
             </a:pPr>
-            <a:fld id="{A1738822-09EC-4C48-B033-B99DA400AB9E}" type="datetimeFigureOut">
+            <a:fld id="{AD22A9FC-C5F0-4BB3-B2C7-8CBFC995008E}" type="datetimeFigureOut">
               <a:rPr lang="es-PE"/>
               <a:pPr>
                 <a:defRPr/>
@@ -11883,7 +11752,7 @@
             <a:pPr>
               <a:defRPr/>
             </a:pPr>
-            <a:fld id="{3827BC6E-4AA7-4894-94EC-205FC0363867}" type="slidenum">
+            <a:fld id="{6E508570-6DE3-420E-9DB9-6CE5DA44CDAD}" type="slidenum">
               <a:rPr lang="es-PE"/>
               <a:pPr>
                 <a:defRPr/>
@@ -13811,7 +13680,7 @@
             <a:pPr>
               <a:defRPr/>
             </a:pPr>
-            <a:fld id="{C4130340-49E6-4A53-ADD7-F3C0613FB178}" type="datetimeFigureOut">
+            <a:fld id="{F9429819-327F-4572-87A8-D2D2E3E0094A}" type="datetimeFigureOut">
               <a:rPr lang="es-PE"/>
               <a:pPr>
                 <a:defRPr/>
@@ -13870,7 +13739,7 @@
             <a:pPr>
               <a:defRPr/>
             </a:pPr>
-            <a:fld id="{3A12B681-08D2-4CA2-834D-887746CF113A}" type="slidenum">
+            <a:fld id="{2D038214-2871-4D04-BCF3-E5721D862E45}" type="slidenum">
               <a:rPr lang="es-PE"/>
               <a:pPr>
                 <a:defRPr/>
@@ -15659,7 +15528,7 @@
             <a:pPr>
               <a:defRPr/>
             </a:pPr>
-            <a:fld id="{37810804-F4AC-4A7A-ADD2-B1A685E66754}" type="datetimeFigureOut">
+            <a:fld id="{A8D0C8DD-47D1-46A2-8B48-AB3327246E8B}" type="datetimeFigureOut">
               <a:rPr lang="es-PE"/>
               <a:pPr>
                 <a:defRPr/>
@@ -15756,7 +15625,7 @@
             <a:pPr>
               <a:defRPr/>
             </a:pPr>
-            <a:fld id="{67E4CDFD-F09A-44CA-94CA-0A8C17D0084D}" type="slidenum">
+            <a:fld id="{18B46EEE-D400-43C1-A6AA-06CAA893EF68}" type="slidenum">
               <a:rPr lang="es-PE"/>
               <a:pPr>
                 <a:defRPr/>
@@ -16434,7 +16303,7 @@
       </p:grpSpPr>
       <p:sp>
         <p:nvSpPr>
-          <p:cNvPr id="30721" name="2 Título"/>
+          <p:cNvPr id="24577" name="2 Título"/>
           <p:cNvSpPr>
             <a:spLocks noGrp="1"/>
           </p:cNvSpPr>
@@ -16506,7 +16375,7 @@
       </p:grpSpPr>
       <p:sp>
         <p:nvSpPr>
-          <p:cNvPr id="31745" name="2 Título"/>
+          <p:cNvPr id="25601" name="2 Título"/>
           <p:cNvSpPr>
             <a:spLocks noGrp="1"/>
           </p:cNvSpPr>
@@ -16530,7 +16399,7 @@
       </p:sp>
       <p:pic>
         <p:nvPicPr>
-          <p:cNvPr id="31746" name="Picture 2"/>
+          <p:cNvPr id="25602" name="Picture 2"/>
           <p:cNvPicPr>
             <a:picLocks noChangeAspect="1" noChangeArrowheads="1"/>
           </p:cNvPicPr>
@@ -16587,7 +16456,7 @@
       </p:grpSpPr>
       <p:sp>
         <p:nvSpPr>
-          <p:cNvPr id="25601" name="2 Título"/>
+          <p:cNvPr id="26625" name="2 Título"/>
           <p:cNvSpPr>
             <a:spLocks noGrp="1"/>
           </p:cNvSpPr>
@@ -17009,7 +16878,7 @@
       </p:graphicFrame>
       <p:pic>
         <p:nvPicPr>
-          <p:cNvPr id="28688" name="Picture 2"/>
+          <p:cNvPr id="27664" name="Picture 2"/>
           <p:cNvPicPr>
             <a:picLocks noChangeAspect="1" noChangeArrowheads="1"/>
           </p:cNvPicPr>
@@ -17041,7 +16910,7 @@
       </p:pic>
       <p:pic>
         <p:nvPicPr>
-          <p:cNvPr id="28689" name="Picture 3"/>
+          <p:cNvPr id="27665" name="Picture 3"/>
           <p:cNvPicPr>
             <a:picLocks noChangeAspect="1" noChangeArrowheads="1"/>
           </p:cNvPicPr>
@@ -17084,7 +16953,7 @@
       </p:pic>
       <p:pic>
         <p:nvPicPr>
-          <p:cNvPr id="28692" name="Picture 20"/>
+          <p:cNvPr id="27666" name="Picture 20"/>
           <p:cNvPicPr>
             <a:picLocks noChangeAspect="1" noChangeArrowheads="1"/>
           </p:cNvPicPr>
@@ -17112,7 +16981,6 @@
             <a:headEnd/>
             <a:tailEnd/>
           </a:ln>
-          <a:effectLst/>
         </p:spPr>
       </p:pic>
     </p:spTree>
@@ -17791,7 +17659,7 @@
       </p:graphicFrame>
       <p:pic>
         <p:nvPicPr>
-          <p:cNvPr id="58388" name="Picture 20"/>
+          <p:cNvPr id="29712" name="Picture 20"/>
           <p:cNvPicPr>
             <a:picLocks noChangeAspect="1" noChangeArrowheads="1"/>
           </p:cNvPicPr>
@@ -17819,12 +17687,11 @@
             <a:headEnd/>
             <a:tailEnd/>
           </a:ln>
-          <a:effectLst/>
         </p:spPr>
       </p:pic>
       <p:pic>
         <p:nvPicPr>
-          <p:cNvPr id="58389" name="Picture 21"/>
+          <p:cNvPr id="29713" name="Picture 21"/>
           <p:cNvPicPr>
             <a:picLocks noChangeAspect="1" noChangeArrowheads="1"/>
           </p:cNvPicPr>
@@ -17852,12 +17719,11 @@
             <a:headEnd/>
             <a:tailEnd/>
           </a:ln>
-          <a:effectLst/>
         </p:spPr>
       </p:pic>
       <p:pic>
         <p:nvPicPr>
-          <p:cNvPr id="58390" name="Picture 22"/>
+          <p:cNvPr id="29714" name="Picture 22"/>
           <p:cNvPicPr>
             <a:picLocks noChangeAspect="1" noChangeArrowheads="1"/>
           </p:cNvPicPr>
@@ -17885,7 +17751,6 @@
             <a:headEnd/>
             <a:tailEnd/>
           </a:ln>
-          <a:effectLst/>
         </p:spPr>
       </p:pic>
     </p:spTree>
@@ -17922,7 +17787,7 @@
       </p:grpSpPr>
       <p:sp>
         <p:nvSpPr>
-          <p:cNvPr id="47106" name="2 Título"/>
+          <p:cNvPr id="31745" name="2 Título"/>
           <p:cNvSpPr>
             <a:spLocks noGrp="1"/>
           </p:cNvSpPr>
@@ -17994,7 +17859,7 @@
       </p:grpSpPr>
       <p:pic>
         <p:nvPicPr>
-          <p:cNvPr id="48131" name="Picture 3"/>
+          <p:cNvPr id="32769" name="Picture 3"/>
           <p:cNvPicPr>
             <a:picLocks noChangeAspect="1" noChangeArrowheads="1"/>
           </p:cNvPicPr>
@@ -18022,12 +17887,11 @@
             <a:headEnd/>
             <a:tailEnd/>
           </a:ln>
-          <a:effectLst/>
         </p:spPr>
       </p:pic>
       <p:sp>
         <p:nvSpPr>
-          <p:cNvPr id="48132" name="Rectangle 4"/>
+          <p:cNvPr id="32770" name="Rectangle 4"/>
           <p:cNvSpPr>
             <a:spLocks noChangeArrowheads="1"/>
           </p:cNvSpPr>
@@ -18048,7 +17912,6 @@
             <a:headEnd/>
             <a:tailEnd/>
           </a:ln>
-          <a:effectLst/>
         </p:spPr>
         <p:txBody>
           <a:bodyPr wrap="none">
@@ -18074,7 +17937,7 @@
       </p:sp>
       <p:sp>
         <p:nvSpPr>
-          <p:cNvPr id="48133" name="Oval 5"/>
+          <p:cNvPr id="32771" name="Oval 5"/>
           <p:cNvSpPr>
             <a:spLocks noChangeArrowheads="1"/>
           </p:cNvSpPr>
@@ -18097,7 +17960,6 @@
             <a:headEnd/>
             <a:tailEnd/>
           </a:ln>
-          <a:effectLst/>
         </p:spPr>
         <p:txBody>
           <a:bodyPr wrap="none" anchor="ctr"/>
@@ -18134,7 +17996,7 @@
       </p:grpSpPr>
       <p:sp>
         <p:nvSpPr>
-          <p:cNvPr id="24577" name="2 Título"/>
+          <p:cNvPr id="37889" name="2 Título"/>
           <p:cNvSpPr>
             <a:spLocks noGrp="1"/>
           </p:cNvSpPr>
@@ -18159,7 +18021,7 @@
                   <a:schemeClr val="tx1"/>
                 </a:solidFill>
               </a:rPr>
-              <a:t>MODELO DE CASOS DE USO DEL SISTEMA</a:t>
+              <a:t>DIAGRAMA DE PAQUETES</a:t>
             </a:r>
             <a:br>
               <a:rPr lang="es-PE" sz="4000" b="1" smtClean="0">
@@ -18206,16 +18068,46 @@
       </p:grpSpPr>
       <p:sp>
         <p:nvSpPr>
-          <p:cNvPr id="49155" name="Rectangle 3"/>
+          <p:cNvPr id="38913" name="2 Título"/>
           <p:cNvSpPr>
-            <a:spLocks noChangeArrowheads="1"/>
+            <a:spLocks noGrp="1"/>
           </p:cNvSpPr>
+          <p:nvPr>
+            <p:ph type="title"/>
+          </p:nvPr>
+        </p:nvSpPr>
+        <p:spPr/>
+        <p:txBody>
+          <a:bodyPr/>
+          <a:lstStyle/>
+          <a:p>
+            <a:r>
+              <a:rPr lang="es-PE" smtClean="0"/>
+              <a:t>DIAGRAMA DE PAQUETES (Contratos de Clientes)</a:t>
+            </a:r>
+            <a:endParaRPr lang="es-ES" smtClean="0"/>
+          </a:p>
+        </p:txBody>
+      </p:sp>
+      <p:pic>
+        <p:nvPicPr>
+          <p:cNvPr id="38914" name="Picture 2"/>
+          <p:cNvPicPr>
+            <a:picLocks noChangeAspect="1" noChangeArrowheads="1"/>
+          </p:cNvPicPr>
           <p:nvPr/>
-        </p:nvSpPr>
+        </p:nvPicPr>
+        <p:blipFill>
+          <a:blip r:embed="rId2"/>
+          <a:srcRect/>
+          <a:stretch>
+            <a:fillRect/>
+          </a:stretch>
+        </p:blipFill>
         <p:spPr bwMode="auto">
           <a:xfrm>
-            <a:off x="1476375" y="765175"/>
-            <a:ext cx="6254750" cy="366713"/>
+            <a:off x="2124075" y="2030413"/>
+            <a:ext cx="4895850" cy="4062412"/>
           </a:xfrm>
           <a:prstGeom prst="rect">
             <a:avLst/>
@@ -18227,65 +18119,8 @@
             <a:headEnd/>
             <a:tailEnd/>
           </a:ln>
-          <a:effectLst/>
         </p:spPr>
-        <p:txBody>
-          <a:bodyPr wrap="none">
-            <a:spAutoFit/>
-          </a:bodyPr>
-          <a:lstStyle/>
-          <a:p>
-            <a:r>
-              <a:rPr lang="es-PE" u="none">
-                <a:solidFill>
-                  <a:srgbClr val="FFFFFF"/>
-                </a:solidFill>
-              </a:rPr>
-              <a:t>PAQUETES DEL SISTEMA – CONTRATOS DE CLIENTES</a:t>
-            </a:r>
-            <a:endParaRPr lang="es-ES" u="none">
-              <a:solidFill>
-                <a:srgbClr val="FFFFFF"/>
-              </a:solidFill>
-            </a:endParaRPr>
-          </a:p>
-        </p:txBody>
-      </p:sp>
-      <p:sp>
-        <p:nvSpPr>
-          <p:cNvPr id="49156" name="Oval 4"/>
-          <p:cNvSpPr>
-            <a:spLocks noChangeArrowheads="1"/>
-          </p:cNvSpPr>
-          <p:nvPr/>
-        </p:nvSpPr>
-        <p:spPr bwMode="auto">
-          <a:xfrm>
-            <a:off x="6011863" y="4941888"/>
-            <a:ext cx="1439862" cy="1223962"/>
-          </a:xfrm>
-          <a:prstGeom prst="ellipse">
-            <a:avLst/>
-          </a:prstGeom>
-          <a:noFill/>
-          <a:ln w="9525">
-            <a:solidFill>
-              <a:srgbClr val="FF0000"/>
-            </a:solidFill>
-            <a:round/>
-            <a:headEnd/>
-            <a:tailEnd/>
-          </a:ln>
-          <a:effectLst/>
-        </p:spPr>
-        <p:txBody>
-          <a:bodyPr wrap="none" anchor="ctr"/>
-          <a:lstStyle/>
-          <a:p>
-            <a:endParaRPr lang="es-ES"/>
-          </a:p>
-        </p:txBody>
-      </p:sp>
+      </p:pic>
     </p:spTree>
   </p:cSld>
   <p:clrMapOvr>
@@ -18313,7 +18148,7 @@
       </p:grpSpPr>
       <p:sp>
         <p:nvSpPr>
-          <p:cNvPr id="3" name="2 Título"/>
+          <p:cNvPr id="39937" name="2 Título"/>
           <p:cNvSpPr>
             <a:spLocks noGrp="1"/>
           </p:cNvSpPr>
@@ -18321,468 +18156,48 @@
             <p:ph type="title"/>
           </p:nvPr>
         </p:nvSpPr>
-        <p:spPr/>
+        <p:spPr>
+          <a:xfrm>
+            <a:off x="395288" y="2852738"/>
+            <a:ext cx="8445500" cy="1252537"/>
+          </a:xfrm>
+        </p:spPr>
         <p:txBody>
-          <a:bodyPr rtlCol="0">
-            <a:normAutofit fontScale="90000"/>
-          </a:bodyPr>
+          <a:bodyPr/>
           <a:lstStyle/>
           <a:p>
-            <a:pPr eaLnBrk="1" fontAlgn="auto" hangingPunct="1">
-              <a:spcAft>
-                <a:spcPts val="0"/>
-              </a:spcAft>
-              <a:defRPr/>
-            </a:pPr>
+            <a:pPr eaLnBrk="1" hangingPunct="1"/>
             <a:r>
-              <a:rPr lang="es-PE" dirty="0"/>
-              <a:t>ESPECIFICACION </a:t>
+              <a:rPr lang="es-PE" sz="4000" b="1" smtClean="0">
+                <a:solidFill>
+                  <a:schemeClr val="tx1"/>
+                </a:solidFill>
+              </a:rPr>
+              <a:t>DIAGRAMA CASOS DE USO DEL SISTEMA POR PAQUETE</a:t>
             </a:r>
+            <a:br>
+              <a:rPr lang="es-PE" sz="4000" b="1" smtClean="0">
+                <a:solidFill>
+                  <a:schemeClr val="tx1"/>
+                </a:solidFill>
+              </a:rPr>
+            </a:br>
             <a:r>
-              <a:rPr lang="es-PE" dirty="0" smtClean="0"/>
-              <a:t>DE LOS ACTORES DEL SISTEMA (Contratos de Clientes)</a:t>
+              <a:rPr lang="es-PE" sz="4000" b="1" smtClean="0">
+                <a:solidFill>
+                  <a:schemeClr val="tx1"/>
+                </a:solidFill>
+              </a:rPr>
+              <a:t>(Contratos de Clientes)</a:t>
             </a:r>
-            <a:endParaRPr lang="es-PE" dirty="0"/>
           </a:p>
         </p:txBody>
       </p:sp>
-      <p:graphicFrame>
-        <p:nvGraphicFramePr>
-          <p:cNvPr id="6" name="5 Tabla"/>
-          <p:cNvGraphicFramePr>
-            <a:graphicFrameLocks noGrp="1"/>
-          </p:cNvGraphicFramePr>
-          <p:nvPr/>
-        </p:nvGraphicFramePr>
-        <p:xfrm>
-          <a:off x="323850" y="2349500"/>
-          <a:ext cx="8496300" cy="4113213"/>
-        </p:xfrm>
-        <a:graphic>
-          <a:graphicData uri="http://schemas.openxmlformats.org/drawingml/2006/table">
-            <a:tbl>
-              <a:tblPr firstRow="1" bandRow="1">
-                <a:tableStyleId>{BC89EF96-8CEA-46FF-86C4-4CE0E7609802}</a:tableStyleId>
-              </a:tblPr>
-              <a:tblGrid>
-                <a:gridCol w="2448272"/>
-                <a:gridCol w="6048672"/>
-              </a:tblGrid>
-              <a:tr h="1152128">
-                <a:tc>
-                  <a:txBody>
-                    <a:bodyPr/>
-                    <a:lstStyle/>
-                    <a:p>
-                      <a:endParaRPr lang="es-ES" dirty="0"/>
-                    </a:p>
-                  </a:txBody>
-                  <a:tcPr/>
-                </a:tc>
-                <a:tc>
-                  <a:txBody>
-                    <a:bodyPr/>
-                    <a:lstStyle/>
-                    <a:p>
-                      <a:pPr marL="0" marR="0" indent="0" algn="just" defTabSz="914400" rtl="0" eaLnBrk="1" fontAlgn="auto" latinLnBrk="0" hangingPunct="1">
-                        <a:lnSpc>
-                          <a:spcPct val="100000"/>
-                        </a:lnSpc>
-                        <a:spcBef>
-                          <a:spcPts val="0"/>
-                        </a:spcBef>
-                        <a:spcAft>
-                          <a:spcPts val="0"/>
-                        </a:spcAft>
-                        <a:buClrTx/>
-                        <a:buSzTx/>
-                        <a:buFontTx/>
-                        <a:buNone/>
-                        <a:tabLst/>
-                        <a:defRPr/>
-                      </a:pPr>
-                      <a:r>
-                        <a:rPr lang="en-US" sz="1800" b="0" kern="1200" dirty="0" err="1" smtClean="0">
-                          <a:solidFill>
-                            <a:schemeClr val="tx1"/>
-                          </a:solidFill>
-                          <a:latin typeface="+mn-lt"/>
-                          <a:ea typeface="+mn-ea"/>
-                          <a:cs typeface="+mn-cs"/>
-                        </a:rPr>
-                        <a:t>Encargado</a:t>
-                      </a:r>
-                      <a:r>
-                        <a:rPr lang="en-US" sz="1800" b="0" kern="1200" dirty="0" smtClean="0">
-                          <a:solidFill>
-                            <a:schemeClr val="tx1"/>
-                          </a:solidFill>
-                          <a:latin typeface="+mn-lt"/>
-                          <a:ea typeface="+mn-ea"/>
-                          <a:cs typeface="+mn-cs"/>
-                        </a:rPr>
-                        <a:t> de </a:t>
-                      </a:r>
-                      <a:r>
-                        <a:rPr lang="en-US" sz="1800" b="0" kern="1200" dirty="0" err="1" smtClean="0">
-                          <a:solidFill>
-                            <a:schemeClr val="tx1"/>
-                          </a:solidFill>
-                          <a:latin typeface="+mn-lt"/>
-                          <a:ea typeface="+mn-ea"/>
-                          <a:cs typeface="+mn-cs"/>
-                        </a:rPr>
-                        <a:t>realizar</a:t>
-                      </a:r>
-                      <a:r>
-                        <a:rPr lang="en-US" sz="1800" b="0" kern="1200" dirty="0" smtClean="0">
-                          <a:solidFill>
-                            <a:schemeClr val="tx1"/>
-                          </a:solidFill>
-                          <a:latin typeface="+mn-lt"/>
-                          <a:ea typeface="+mn-ea"/>
-                          <a:cs typeface="+mn-cs"/>
-                        </a:rPr>
-                        <a:t> la </a:t>
-                      </a:r>
-                      <a:r>
-                        <a:rPr lang="en-US" sz="1800" b="0" kern="1200" dirty="0" err="1" smtClean="0">
-                          <a:solidFill>
-                            <a:schemeClr val="tx1"/>
-                          </a:solidFill>
-                          <a:latin typeface="+mn-lt"/>
-                          <a:ea typeface="+mn-ea"/>
-                          <a:cs typeface="+mn-cs"/>
-                        </a:rPr>
-                        <a:t>aprobación</a:t>
-                      </a:r>
-                      <a:r>
-                        <a:rPr lang="en-US" sz="1800" b="0" kern="1200" dirty="0" smtClean="0">
-                          <a:solidFill>
-                            <a:schemeClr val="tx1"/>
-                          </a:solidFill>
-                          <a:latin typeface="+mn-lt"/>
-                          <a:ea typeface="+mn-ea"/>
-                          <a:cs typeface="+mn-cs"/>
-                        </a:rPr>
-                        <a:t> de </a:t>
-                      </a:r>
-                      <a:r>
-                        <a:rPr lang="en-US" sz="1800" b="0" kern="1200" dirty="0" err="1" smtClean="0">
-                          <a:solidFill>
-                            <a:schemeClr val="tx1"/>
-                          </a:solidFill>
-                          <a:latin typeface="+mn-lt"/>
-                          <a:ea typeface="+mn-ea"/>
-                          <a:cs typeface="+mn-cs"/>
-                        </a:rPr>
-                        <a:t>contratos</a:t>
-                      </a:r>
-                      <a:r>
-                        <a:rPr lang="en-US" sz="1800" b="0" kern="1200" dirty="0" smtClean="0">
-                          <a:solidFill>
-                            <a:schemeClr val="tx1"/>
-                          </a:solidFill>
-                          <a:latin typeface="+mn-lt"/>
-                          <a:ea typeface="+mn-ea"/>
-                          <a:cs typeface="+mn-cs"/>
-                        </a:rPr>
-                        <a:t>, </a:t>
-                      </a:r>
-                      <a:r>
-                        <a:rPr lang="en-US" sz="1800" b="0" kern="1200" dirty="0" err="1" smtClean="0">
-                          <a:solidFill>
-                            <a:schemeClr val="tx1"/>
-                          </a:solidFill>
-                          <a:latin typeface="+mn-lt"/>
-                          <a:ea typeface="+mn-ea"/>
-                          <a:cs typeface="+mn-cs"/>
-                        </a:rPr>
-                        <a:t>adendas</a:t>
-                      </a:r>
-                      <a:r>
-                        <a:rPr lang="en-US" sz="1800" b="0" kern="1200" dirty="0" smtClean="0">
-                          <a:solidFill>
-                            <a:schemeClr val="tx1"/>
-                          </a:solidFill>
-                          <a:latin typeface="+mn-lt"/>
-                          <a:ea typeface="+mn-ea"/>
-                          <a:cs typeface="+mn-cs"/>
-                        </a:rPr>
-                        <a:t>, </a:t>
-                      </a:r>
-                      <a:r>
-                        <a:rPr lang="en-US" sz="1800" b="0" kern="1200" dirty="0" err="1" smtClean="0">
-                          <a:solidFill>
-                            <a:schemeClr val="tx1"/>
-                          </a:solidFill>
-                          <a:latin typeface="+mn-lt"/>
-                          <a:ea typeface="+mn-ea"/>
-                          <a:cs typeface="+mn-cs"/>
-                        </a:rPr>
-                        <a:t>cierres</a:t>
-                      </a:r>
-                      <a:r>
-                        <a:rPr lang="en-US" sz="1800" b="0" kern="1200" dirty="0" smtClean="0">
-                          <a:solidFill>
-                            <a:schemeClr val="tx1"/>
-                          </a:solidFill>
-                          <a:latin typeface="+mn-lt"/>
-                          <a:ea typeface="+mn-ea"/>
-                          <a:cs typeface="+mn-cs"/>
-                        </a:rPr>
-                        <a:t> y </a:t>
-                      </a:r>
-                      <a:r>
-                        <a:rPr lang="en-US" sz="1800" b="0" kern="1200" dirty="0" err="1" smtClean="0">
-                          <a:solidFill>
-                            <a:schemeClr val="tx1"/>
-                          </a:solidFill>
-                          <a:latin typeface="+mn-lt"/>
-                          <a:ea typeface="+mn-ea"/>
-                          <a:cs typeface="+mn-cs"/>
-                        </a:rPr>
-                        <a:t>anulaciones</a:t>
-                      </a:r>
-                      <a:endParaRPr lang="es-ES" sz="1800" b="0" kern="1200" dirty="0">
-                        <a:solidFill>
-                          <a:schemeClr val="tx1"/>
-                        </a:solidFill>
-                        <a:latin typeface="+mn-lt"/>
-                        <a:ea typeface="+mn-ea"/>
-                        <a:cs typeface="+mn-cs"/>
-                      </a:endParaRPr>
-                    </a:p>
-                  </a:txBody>
-                  <a:tcPr/>
-                </a:tc>
-              </a:tr>
-              <a:tr h="1223516">
-                <a:tc>
-                  <a:txBody>
-                    <a:bodyPr/>
-                    <a:lstStyle/>
-                    <a:p>
-                      <a:endParaRPr lang="es-ES" dirty="0"/>
-                    </a:p>
-                  </a:txBody>
-                  <a:tcPr/>
-                </a:tc>
-                <a:tc>
-                  <a:txBody>
-                    <a:bodyPr/>
-                    <a:lstStyle/>
-                    <a:p>
-                      <a:pPr marL="0" marR="0" indent="0" algn="just" defTabSz="914400" rtl="0" eaLnBrk="1" fontAlgn="auto" latinLnBrk="0" hangingPunct="1">
-                        <a:lnSpc>
-                          <a:spcPct val="100000"/>
-                        </a:lnSpc>
-                        <a:spcBef>
-                          <a:spcPts val="0"/>
-                        </a:spcBef>
-                        <a:spcAft>
-                          <a:spcPts val="0"/>
-                        </a:spcAft>
-                        <a:buClrTx/>
-                        <a:buSzTx/>
-                        <a:buFontTx/>
-                        <a:buNone/>
-                        <a:tabLst/>
-                        <a:defRPr/>
-                      </a:pPr>
-                      <a:r>
-                        <a:rPr lang="es-PE" sz="1800" kern="1200" dirty="0" smtClean="0">
-                          <a:solidFill>
-                            <a:schemeClr val="tx1"/>
-                          </a:solidFill>
-                          <a:latin typeface="+mn-lt"/>
-                          <a:ea typeface="+mn-ea"/>
-                          <a:cs typeface="+mn-cs"/>
-                        </a:rPr>
-                        <a:t>Consulta información la gestión de contratos, así como de los reportes de los contratos, adendas y tableros de anuncios.</a:t>
-                      </a:r>
-                      <a:endParaRPr lang="es-ES" sz="1800" i="1" kern="1200" dirty="0" smtClean="0">
-                        <a:solidFill>
-                          <a:schemeClr val="tx1"/>
-                        </a:solidFill>
-                        <a:latin typeface="+mn-lt"/>
-                        <a:ea typeface="+mn-ea"/>
-                        <a:cs typeface="+mn-cs"/>
-                      </a:endParaRPr>
-                    </a:p>
-                  </a:txBody>
-                  <a:tcPr/>
-                </a:tc>
-              </a:tr>
-              <a:tr h="1565547">
-                <a:tc>
-                  <a:txBody>
-                    <a:bodyPr/>
-                    <a:lstStyle/>
-                    <a:p>
-                      <a:endParaRPr lang="es-ES" dirty="0"/>
-                    </a:p>
-                  </a:txBody>
-                  <a:tcPr/>
-                </a:tc>
-                <a:tc>
-                  <a:txBody>
-                    <a:bodyPr/>
-                    <a:lstStyle/>
-                    <a:p>
-                      <a:pPr marL="0" marR="0" indent="0" algn="just" defTabSz="914400" rtl="0" eaLnBrk="1" fontAlgn="auto" latinLnBrk="0" hangingPunct="1">
-                        <a:lnSpc>
-                          <a:spcPct val="100000"/>
-                        </a:lnSpc>
-                        <a:spcBef>
-                          <a:spcPts val="0"/>
-                        </a:spcBef>
-                        <a:spcAft>
-                          <a:spcPts val="0"/>
-                        </a:spcAft>
-                        <a:buClrTx/>
-                        <a:buSzTx/>
-                        <a:buFontTx/>
-                        <a:buNone/>
-                        <a:tabLst/>
-                        <a:defRPr/>
-                      </a:pPr>
-                      <a:r>
-                        <a:rPr lang="es-PE" sz="1800" kern="1200" dirty="0" smtClean="0">
-                          <a:solidFill>
-                            <a:schemeClr val="tx1"/>
-                          </a:solidFill>
-                          <a:latin typeface="+mn-lt"/>
-                          <a:ea typeface="+mn-ea"/>
-                          <a:cs typeface="+mn-cs"/>
-                        </a:rPr>
-                        <a:t>Encargado de la actualización del contrato y las solicitudes que afecten a este como solicitudes de requerimientos, solicitudes de cambio de contrato y solicitud de incumplimiento de contrato. Asimismo, es encargado de actualizar la información del cliente e información de adendas.</a:t>
-                      </a:r>
-                      <a:endParaRPr lang="es-ES" sz="1800" i="1" kern="1200" dirty="0" smtClean="0">
-                        <a:solidFill>
-                          <a:schemeClr val="tx1"/>
-                        </a:solidFill>
-                        <a:latin typeface="+mn-lt"/>
-                        <a:ea typeface="+mn-ea"/>
-                        <a:cs typeface="+mn-cs"/>
-                      </a:endParaRPr>
-                    </a:p>
-                  </a:txBody>
-                  <a:tcPr/>
-                </a:tc>
-              </a:tr>
-            </a:tbl>
-          </a:graphicData>
-        </a:graphic>
-      </p:graphicFrame>
-      <p:pic>
-        <p:nvPicPr>
-          <p:cNvPr id="26640" name="Picture 2"/>
-          <p:cNvPicPr>
-            <a:picLocks noChangeAspect="1" noChangeArrowheads="1"/>
-          </p:cNvPicPr>
-          <p:nvPr/>
-        </p:nvPicPr>
-        <p:blipFill>
-          <a:blip r:embed="rId3"/>
-          <a:srcRect/>
-          <a:stretch>
-            <a:fillRect/>
-          </a:stretch>
-        </p:blipFill>
-        <p:spPr bwMode="auto">
-          <a:xfrm>
-            <a:off x="900113" y="2492375"/>
-            <a:ext cx="1343025" cy="838200"/>
-          </a:xfrm>
-          <a:prstGeom prst="rect">
-            <a:avLst/>
-          </a:prstGeom>
-          <a:noFill/>
-          <a:ln w="9525">
-            <a:noFill/>
-            <a:miter lim="800000"/>
-            <a:headEnd/>
-            <a:tailEnd/>
-          </a:ln>
-        </p:spPr>
-      </p:pic>
-      <p:pic>
-        <p:nvPicPr>
-          <p:cNvPr id="26641" name="Picture 3"/>
-          <p:cNvPicPr>
-            <a:picLocks noChangeAspect="1" noChangeArrowheads="1"/>
-          </p:cNvPicPr>
-          <p:nvPr/>
-        </p:nvPicPr>
-        <p:blipFill>
-          <a:blip r:embed="rId4"/>
-          <a:srcRect/>
-          <a:stretch>
-            <a:fillRect/>
-          </a:stretch>
-        </p:blipFill>
-        <p:spPr bwMode="auto">
-          <a:xfrm>
-            <a:off x="611188" y="3698875"/>
-            <a:ext cx="1857375" cy="809625"/>
-          </a:xfrm>
-          <a:prstGeom prst="rect">
-            <a:avLst/>
-          </a:prstGeom>
-          <a:noFill/>
-          <a:ln w="9525">
-            <a:noFill/>
-            <a:miter lim="800000"/>
-            <a:headEnd/>
-            <a:tailEnd/>
-          </a:ln>
-        </p:spPr>
-      </p:pic>
-      <p:pic>
-        <p:nvPicPr>
-          <p:cNvPr id="26642" name="Picture 4"/>
-          <p:cNvPicPr>
-            <a:picLocks noChangeAspect="1" noChangeArrowheads="1"/>
-          </p:cNvPicPr>
-          <p:nvPr/>
-        </p:nvPicPr>
-        <p:blipFill>
-          <a:blip r:embed="rId5"/>
-          <a:srcRect/>
-          <a:stretch>
-            <a:fillRect/>
-          </a:stretch>
-        </p:blipFill>
-        <p:spPr bwMode="auto">
-          <a:xfrm>
-            <a:off x="755650" y="5300663"/>
-            <a:ext cx="1647825" cy="828675"/>
-          </a:xfrm>
-          <a:prstGeom prst="rect">
-            <a:avLst/>
-          </a:prstGeom>
-          <a:noFill/>
-          <a:ln w="9525">
-            <a:noFill/>
-            <a:miter lim="800000"/>
-            <a:headEnd/>
-            <a:tailEnd/>
-          </a:ln>
-        </p:spPr>
-      </p:pic>
     </p:spTree>
   </p:cSld>
   <p:clrMapOvr>
     <a:masterClrMapping/>
   </p:clrMapOvr>
-  <p:timing>
-    <p:tnLst>
-      <p:par>
-        <p:cTn id="1" dur="indefinite" restart="never" nodeType="tmRoot"/>
-      </p:par>
-    </p:tnLst>
-  </p:timing>
 </p:sld>
 </file>
 
@@ -18877,7 +18292,7 @@
       </p:grpSpPr>
       <p:sp>
         <p:nvSpPr>
-          <p:cNvPr id="32769" name="2 Título"/>
+          <p:cNvPr id="40961" name="2 Título"/>
           <p:cNvSpPr>
             <a:spLocks noGrp="1"/>
           </p:cNvSpPr>
@@ -18885,43 +18300,51 @@
             <p:ph type="title"/>
           </p:nvPr>
         </p:nvSpPr>
-        <p:spPr>
-          <a:xfrm>
-            <a:off x="395288" y="2852738"/>
-            <a:ext cx="8445500" cy="1252537"/>
-          </a:xfrm>
-        </p:spPr>
+        <p:spPr/>
         <p:txBody>
           <a:bodyPr/>
           <a:lstStyle/>
           <a:p>
-            <a:pPr eaLnBrk="1" hangingPunct="1"/>
             <a:r>
-              <a:rPr lang="es-PE" sz="4000" b="1" smtClean="0">
-                <a:solidFill>
-                  <a:schemeClr val="tx1"/>
-                </a:solidFill>
-              </a:rPr>
-              <a:t>DIAGRAMA DE PAQUETES</a:t>
+              <a:rPr lang="es-PE" smtClean="0"/>
+              <a:t>CUS PAQUETE – EVALUACION DE CONTRATO</a:t>
             </a:r>
-            <a:br>
-              <a:rPr lang="es-PE" sz="4000" b="1" smtClean="0">
-                <a:solidFill>
-                  <a:schemeClr val="tx1"/>
-                </a:solidFill>
-              </a:rPr>
-            </a:br>
-            <a:r>
-              <a:rPr lang="es-PE" sz="4000" b="1" smtClean="0">
-                <a:solidFill>
-                  <a:schemeClr val="tx1"/>
-                </a:solidFill>
-              </a:rPr>
-              <a:t>(Contratos de Clientes)</a:t>
-            </a:r>
+            <a:endParaRPr lang="es-ES" smtClean="0"/>
           </a:p>
         </p:txBody>
       </p:sp>
+      <p:pic>
+        <p:nvPicPr>
+          <p:cNvPr id="40962" name="Picture 2"/>
+          <p:cNvPicPr>
+            <a:picLocks noChangeAspect="1" noChangeArrowheads="1"/>
+          </p:cNvPicPr>
+          <p:nvPr/>
+        </p:nvPicPr>
+        <p:blipFill>
+          <a:blip r:embed="rId2"/>
+          <a:srcRect/>
+          <a:stretch>
+            <a:fillRect/>
+          </a:stretch>
+        </p:blipFill>
+        <p:spPr bwMode="auto">
+          <a:xfrm>
+            <a:off x="1042988" y="1855788"/>
+            <a:ext cx="7048500" cy="4886325"/>
+          </a:xfrm>
+          <a:prstGeom prst="rect">
+            <a:avLst/>
+          </a:prstGeom>
+          <a:noFill/>
+          <a:ln w="9525">
+            <a:noFill/>
+            <a:miter lim="800000"/>
+            <a:headEnd/>
+            <a:tailEnd/>
+          </a:ln>
+        </p:spPr>
+      </p:pic>
     </p:spTree>
   </p:cSld>
   <p:clrMapOvr>
@@ -18949,7 +18372,7 @@
       </p:grpSpPr>
       <p:sp>
         <p:nvSpPr>
-          <p:cNvPr id="33793" name="2 Título"/>
+          <p:cNvPr id="41985" name="2 Título"/>
           <p:cNvSpPr>
             <a:spLocks noGrp="1"/>
           </p:cNvSpPr>
@@ -18964,7 +18387,7 @@
           <a:p>
             <a:r>
               <a:rPr lang="es-PE" smtClean="0"/>
-              <a:t>DIAGRAMA DE PAQUETES (Contratos de Clientes)</a:t>
+              <a:t>CUS PAQUETE – SEGUIMIENTO DE CONTRATO</a:t>
             </a:r>
             <a:endParaRPr lang="es-ES" smtClean="0"/>
           </a:p>
@@ -18972,7 +18395,7 @@
       </p:sp>
       <p:pic>
         <p:nvPicPr>
-          <p:cNvPr id="33794" name="Picture 2"/>
+          <p:cNvPr id="41986" name="Picture 2"/>
           <p:cNvPicPr>
             <a:picLocks noChangeAspect="1" noChangeArrowheads="1"/>
           </p:cNvPicPr>
@@ -18987,8 +18410,8 @@
         </p:blipFill>
         <p:spPr bwMode="auto">
           <a:xfrm>
-            <a:off x="2124075" y="2030413"/>
-            <a:ext cx="4895850" cy="4062412"/>
+            <a:off x="1547813" y="2276475"/>
+            <a:ext cx="5741987" cy="3384550"/>
           </a:xfrm>
           <a:prstGeom prst="rect">
             <a:avLst/>
@@ -19029,7 +18452,7 @@
       </p:grpSpPr>
       <p:sp>
         <p:nvSpPr>
-          <p:cNvPr id="34817" name="2 Título"/>
+          <p:cNvPr id="43009" name="2 Título"/>
           <p:cNvSpPr>
             <a:spLocks noGrp="1"/>
           </p:cNvSpPr>
@@ -19037,40 +18460,83 @@
             <p:ph type="title"/>
           </p:nvPr>
         </p:nvSpPr>
-        <p:spPr>
-          <a:xfrm>
-            <a:off x="395288" y="2852738"/>
-            <a:ext cx="8445500" cy="1252537"/>
-          </a:xfrm>
-        </p:spPr>
+        <p:spPr/>
         <p:txBody>
           <a:bodyPr/>
           <a:lstStyle/>
           <a:p>
-            <a:pPr eaLnBrk="1" hangingPunct="1"/>
             <a:r>
-              <a:rPr lang="es-PE" sz="4000" b="1" smtClean="0">
-                <a:solidFill>
-                  <a:schemeClr val="tx1"/>
-                </a:solidFill>
-              </a:rPr>
-              <a:t>DIAGRAMA CASOS DE USO DEL SISTEMA POR PAQUETE</a:t>
+              <a:rPr lang="es-PE" smtClean="0"/>
+              <a:t>CUS PAQUETE – SOLICITUD DE CONTRATO</a:t>
             </a:r>
-            <a:br>
-              <a:rPr lang="es-PE" sz="4000" b="1" smtClean="0">
-                <a:solidFill>
-                  <a:schemeClr val="tx1"/>
-                </a:solidFill>
-              </a:rPr>
-            </a:br>
-            <a:r>
-              <a:rPr lang="es-PE" sz="4000" b="1" smtClean="0">
-                <a:solidFill>
-                  <a:schemeClr val="tx1"/>
-                </a:solidFill>
-              </a:rPr>
-              <a:t>(Contratos de Clientes)</a:t>
-            </a:r>
+            <a:endParaRPr lang="es-ES" smtClean="0"/>
+          </a:p>
+        </p:txBody>
+      </p:sp>
+      <p:pic>
+        <p:nvPicPr>
+          <p:cNvPr id="43010" name="Picture 2"/>
+          <p:cNvPicPr>
+            <a:picLocks noChangeAspect="1" noChangeArrowheads="1"/>
+          </p:cNvPicPr>
+          <p:nvPr/>
+        </p:nvPicPr>
+        <p:blipFill>
+          <a:blip r:embed="rId2"/>
+          <a:srcRect/>
+          <a:stretch>
+            <a:fillRect/>
+          </a:stretch>
+        </p:blipFill>
+        <p:spPr bwMode="auto">
+          <a:xfrm>
+            <a:off x="1331913" y="1773238"/>
+            <a:ext cx="6610350" cy="4829175"/>
+          </a:xfrm>
+          <a:prstGeom prst="rect">
+            <a:avLst/>
+          </a:prstGeom>
+          <a:noFill/>
+          <a:ln w="9525">
+            <a:noFill/>
+            <a:miter lim="800000"/>
+            <a:headEnd/>
+            <a:tailEnd/>
+          </a:ln>
+        </p:spPr>
+      </p:pic>
+      <p:sp>
+        <p:nvSpPr>
+          <p:cNvPr id="43012" name="Oval 4"/>
+          <p:cNvSpPr>
+            <a:spLocks noChangeArrowheads="1"/>
+          </p:cNvSpPr>
+          <p:nvPr/>
+        </p:nvSpPr>
+        <p:spPr bwMode="auto">
+          <a:xfrm>
+            <a:off x="3276600" y="3573463"/>
+            <a:ext cx="2159000" cy="1150937"/>
+          </a:xfrm>
+          <a:prstGeom prst="ellipse">
+            <a:avLst/>
+          </a:prstGeom>
+          <a:noFill/>
+          <a:ln w="9525">
+            <a:solidFill>
+              <a:srgbClr val="FF0000"/>
+            </a:solidFill>
+            <a:round/>
+            <a:headEnd/>
+            <a:tailEnd/>
+          </a:ln>
+          <a:effectLst/>
+        </p:spPr>
+        <p:txBody>
+          <a:bodyPr wrap="none" anchor="ctr"/>
+          <a:lstStyle/>
+          <a:p>
+            <a:endParaRPr lang="es-ES"/>
           </a:p>
         </p:txBody>
       </p:sp>
@@ -19101,7 +18567,7 @@
       </p:grpSpPr>
       <p:sp>
         <p:nvSpPr>
-          <p:cNvPr id="35841" name="2 Título"/>
+          <p:cNvPr id="44033" name="2 Título"/>
           <p:cNvSpPr>
             <a:spLocks noGrp="1"/>
           </p:cNvSpPr>
@@ -19116,7 +18582,7 @@
           <a:p>
             <a:r>
               <a:rPr lang="es-PE" smtClean="0"/>
-              <a:t>CUS PAQUETE – EVALUACION DE CONTRATO</a:t>
+              <a:t>CUS PAQUETE – SEGURIDAD</a:t>
             </a:r>
             <a:endParaRPr lang="es-ES" smtClean="0"/>
           </a:p>
@@ -19124,7 +18590,7 @@
       </p:sp>
       <p:pic>
         <p:nvPicPr>
-          <p:cNvPr id="35842" name="Picture 2"/>
+          <p:cNvPr id="44034" name="Picture 2"/>
           <p:cNvPicPr>
             <a:picLocks noChangeAspect="1" noChangeArrowheads="1"/>
           </p:cNvPicPr>
@@ -19139,8 +18605,8 @@
         </p:blipFill>
         <p:spPr bwMode="auto">
           <a:xfrm>
-            <a:off x="1042988" y="1855788"/>
-            <a:ext cx="7048500" cy="4886325"/>
+            <a:off x="1863725" y="1695450"/>
+            <a:ext cx="5372100" cy="4686300"/>
           </a:xfrm>
           <a:prstGeom prst="rect">
             <a:avLst/>
@@ -19181,247 +18647,7 @@
       </p:grpSpPr>
       <p:sp>
         <p:nvSpPr>
-          <p:cNvPr id="36865" name="2 Título"/>
-          <p:cNvSpPr>
-            <a:spLocks noGrp="1"/>
-          </p:cNvSpPr>
-          <p:nvPr>
-            <p:ph type="title"/>
-          </p:nvPr>
-        </p:nvSpPr>
-        <p:spPr/>
-        <p:txBody>
-          <a:bodyPr/>
-          <a:lstStyle/>
-          <a:p>
-            <a:r>
-              <a:rPr lang="es-PE" smtClean="0"/>
-              <a:t>CUS PAQUETE – SEGUIMIENTO DE CONTRATO</a:t>
-            </a:r>
-            <a:endParaRPr lang="es-ES" smtClean="0"/>
-          </a:p>
-        </p:txBody>
-      </p:sp>
-      <p:pic>
-        <p:nvPicPr>
-          <p:cNvPr id="36866" name="Picture 2"/>
-          <p:cNvPicPr>
-            <a:picLocks noChangeAspect="1" noChangeArrowheads="1"/>
-          </p:cNvPicPr>
-          <p:nvPr/>
-        </p:nvPicPr>
-        <p:blipFill>
-          <a:blip r:embed="rId2"/>
-          <a:srcRect/>
-          <a:stretch>
-            <a:fillRect/>
-          </a:stretch>
-        </p:blipFill>
-        <p:spPr bwMode="auto">
-          <a:xfrm>
-            <a:off x="1547813" y="2276475"/>
-            <a:ext cx="5741987" cy="3384550"/>
-          </a:xfrm>
-          <a:prstGeom prst="rect">
-            <a:avLst/>
-          </a:prstGeom>
-          <a:noFill/>
-          <a:ln w="9525">
-            <a:noFill/>
-            <a:miter lim="800000"/>
-            <a:headEnd/>
-            <a:tailEnd/>
-          </a:ln>
-        </p:spPr>
-      </p:pic>
-    </p:spTree>
-  </p:cSld>
-  <p:clrMapOvr>
-    <a:masterClrMapping/>
-  </p:clrMapOvr>
-</p:sld>
-</file>
-
-<file path=ppt/slides/slide25.xml><?xml version="1.0" encoding="utf-8"?>
-<p:sld xmlns:a="http://schemas.openxmlformats.org/drawingml/2006/main" xmlns:r="http://schemas.openxmlformats.org/officeDocument/2006/relationships" xmlns:p="http://schemas.openxmlformats.org/presentationml/2006/main">
-  <p:cSld>
-    <p:spTree>
-      <p:nvGrpSpPr>
-        <p:cNvPr id="1" name=""/>
-        <p:cNvGrpSpPr/>
-        <p:nvPr/>
-      </p:nvGrpSpPr>
-      <p:grpSpPr>
-        <a:xfrm>
-          <a:off x="0" y="0"/>
-          <a:ext cx="0" cy="0"/>
-          <a:chOff x="0" y="0"/>
-          <a:chExt cx="0" cy="0"/>
-        </a:xfrm>
-      </p:grpSpPr>
-      <p:sp>
-        <p:nvSpPr>
-          <p:cNvPr id="37889" name="2 Título"/>
-          <p:cNvSpPr>
-            <a:spLocks noGrp="1"/>
-          </p:cNvSpPr>
-          <p:nvPr>
-            <p:ph type="title"/>
-          </p:nvPr>
-        </p:nvSpPr>
-        <p:spPr/>
-        <p:txBody>
-          <a:bodyPr/>
-          <a:lstStyle/>
-          <a:p>
-            <a:r>
-              <a:rPr lang="es-PE" smtClean="0"/>
-              <a:t>CUS PAQUETE – SOLICITUD DE CONTRATO</a:t>
-            </a:r>
-            <a:endParaRPr lang="es-ES" smtClean="0"/>
-          </a:p>
-        </p:txBody>
-      </p:sp>
-      <p:pic>
-        <p:nvPicPr>
-          <p:cNvPr id="37890" name="Picture 2"/>
-          <p:cNvPicPr>
-            <a:picLocks noChangeAspect="1" noChangeArrowheads="1"/>
-          </p:cNvPicPr>
-          <p:nvPr/>
-        </p:nvPicPr>
-        <p:blipFill>
-          <a:blip r:embed="rId2"/>
-          <a:srcRect/>
-          <a:stretch>
-            <a:fillRect/>
-          </a:stretch>
-        </p:blipFill>
-        <p:spPr bwMode="auto">
-          <a:xfrm>
-            <a:off x="1331913" y="1773238"/>
-            <a:ext cx="6610350" cy="4829175"/>
-          </a:xfrm>
-          <a:prstGeom prst="rect">
-            <a:avLst/>
-          </a:prstGeom>
-          <a:noFill/>
-          <a:ln w="9525">
-            <a:noFill/>
-            <a:miter lim="800000"/>
-            <a:headEnd/>
-            <a:tailEnd/>
-          </a:ln>
-        </p:spPr>
-      </p:pic>
-    </p:spTree>
-  </p:cSld>
-  <p:clrMapOvr>
-    <a:masterClrMapping/>
-  </p:clrMapOvr>
-</p:sld>
-</file>
-
-<file path=ppt/slides/slide26.xml><?xml version="1.0" encoding="utf-8"?>
-<p:sld xmlns:a="http://schemas.openxmlformats.org/drawingml/2006/main" xmlns:r="http://schemas.openxmlformats.org/officeDocument/2006/relationships" xmlns:p="http://schemas.openxmlformats.org/presentationml/2006/main">
-  <p:cSld>
-    <p:spTree>
-      <p:nvGrpSpPr>
-        <p:cNvPr id="1" name=""/>
-        <p:cNvGrpSpPr/>
-        <p:nvPr/>
-      </p:nvGrpSpPr>
-      <p:grpSpPr>
-        <a:xfrm>
-          <a:off x="0" y="0"/>
-          <a:ext cx="0" cy="0"/>
-          <a:chOff x="0" y="0"/>
-          <a:chExt cx="0" cy="0"/>
-        </a:xfrm>
-      </p:grpSpPr>
-      <p:sp>
-        <p:nvSpPr>
-          <p:cNvPr id="38913" name="2 Título"/>
-          <p:cNvSpPr>
-            <a:spLocks noGrp="1"/>
-          </p:cNvSpPr>
-          <p:nvPr>
-            <p:ph type="title"/>
-          </p:nvPr>
-        </p:nvSpPr>
-        <p:spPr/>
-        <p:txBody>
-          <a:bodyPr/>
-          <a:lstStyle/>
-          <a:p>
-            <a:r>
-              <a:rPr lang="es-PE" smtClean="0"/>
-              <a:t>CUS PAQUETE – SEGURIDAD</a:t>
-            </a:r>
-            <a:endParaRPr lang="es-ES" smtClean="0"/>
-          </a:p>
-        </p:txBody>
-      </p:sp>
-      <p:pic>
-        <p:nvPicPr>
-          <p:cNvPr id="38914" name="Picture 2"/>
-          <p:cNvPicPr>
-            <a:picLocks noChangeAspect="1" noChangeArrowheads="1"/>
-          </p:cNvPicPr>
-          <p:nvPr/>
-        </p:nvPicPr>
-        <p:blipFill>
-          <a:blip r:embed="rId2"/>
-          <a:srcRect/>
-          <a:stretch>
-            <a:fillRect/>
-          </a:stretch>
-        </p:blipFill>
-        <p:spPr bwMode="auto">
-          <a:xfrm>
-            <a:off x="1863725" y="1695450"/>
-            <a:ext cx="5372100" cy="4686300"/>
-          </a:xfrm>
-          <a:prstGeom prst="rect">
-            <a:avLst/>
-          </a:prstGeom>
-          <a:noFill/>
-          <a:ln w="9525">
-            <a:noFill/>
-            <a:miter lim="800000"/>
-            <a:headEnd/>
-            <a:tailEnd/>
-          </a:ln>
-        </p:spPr>
-      </p:pic>
-    </p:spTree>
-  </p:cSld>
-  <p:clrMapOvr>
-    <a:masterClrMapping/>
-  </p:clrMapOvr>
-</p:sld>
-</file>
-
-<file path=ppt/slides/slide27.xml><?xml version="1.0" encoding="utf-8"?>
-<p:sld xmlns:a="http://schemas.openxmlformats.org/drawingml/2006/main" xmlns:r="http://schemas.openxmlformats.org/officeDocument/2006/relationships" xmlns:p="http://schemas.openxmlformats.org/presentationml/2006/main">
-  <p:cSld>
-    <p:spTree>
-      <p:nvGrpSpPr>
-        <p:cNvPr id="1" name=""/>
-        <p:cNvGrpSpPr/>
-        <p:nvPr/>
-      </p:nvGrpSpPr>
-      <p:grpSpPr>
-        <a:xfrm>
-          <a:off x="0" y="0"/>
-          <a:ext cx="0" cy="0"/>
-          <a:chOff x="0" y="0"/>
-          <a:chExt cx="0" cy="0"/>
-        </a:xfrm>
-      </p:grpSpPr>
-      <p:sp>
-        <p:nvSpPr>
-          <p:cNvPr id="50178" name="2 Título"/>
+          <p:cNvPr id="45057" name="2 Título"/>
           <p:cNvSpPr>
             <a:spLocks noGrp="1"/>
           </p:cNvSpPr>
@@ -19474,7 +18700,7 @@
 </p:sld>
 </file>
 
-<file path=ppt/slides/slide28.xml><?xml version="1.0" encoding="utf-8"?>
+<file path=ppt/slides/slide25.xml><?xml version="1.0" encoding="utf-8"?>
 <p:sld xmlns:a="http://schemas.openxmlformats.org/drawingml/2006/main" xmlns:r="http://schemas.openxmlformats.org/officeDocument/2006/relationships" xmlns:p="http://schemas.openxmlformats.org/presentationml/2006/main">
   <p:cSld>
     <p:spTree>
@@ -19493,7 +18719,7 @@
       </p:grpSpPr>
       <p:pic>
         <p:nvPicPr>
-          <p:cNvPr id="51204" name="Picture 4"/>
+          <p:cNvPr id="46081" name="Picture 4"/>
           <p:cNvPicPr>
             <a:picLocks noChangeAspect="1" noChangeArrowheads="1"/>
           </p:cNvPicPr>
@@ -19521,12 +18747,11 @@
             <a:headEnd/>
             <a:tailEnd/>
           </a:ln>
-          <a:effectLst/>
         </p:spPr>
       </p:pic>
       <p:sp>
         <p:nvSpPr>
-          <p:cNvPr id="51205" name="2 Título"/>
+          <p:cNvPr id="46082" name="2 Título"/>
           <p:cNvSpPr>
             <a:spLocks/>
           </p:cNvSpPr>
@@ -19579,7 +18804,7 @@
 </p:sld>
 </file>
 
-<file path=ppt/slides/slide29.xml><?xml version="1.0" encoding="utf-8"?>
+<file path=ppt/slides/slide26.xml><?xml version="1.0" encoding="utf-8"?>
 <p:sld xmlns:a="http://schemas.openxmlformats.org/drawingml/2006/main" xmlns:r="http://schemas.openxmlformats.org/officeDocument/2006/relationships" xmlns:p="http://schemas.openxmlformats.org/presentationml/2006/main">
   <p:cSld>
     <p:spTree>
@@ -19598,7 +18823,7 @@
       </p:grpSpPr>
       <p:pic>
         <p:nvPicPr>
-          <p:cNvPr id="52227" name="Picture 3"/>
+          <p:cNvPr id="47105" name="Picture 3"/>
           <p:cNvPicPr>
             <a:picLocks noChangeAspect="1" noChangeArrowheads="1"/>
           </p:cNvPicPr>
@@ -19626,12 +18851,11 @@
             <a:headEnd/>
             <a:tailEnd/>
           </a:ln>
-          <a:effectLst/>
         </p:spPr>
       </p:pic>
       <p:sp>
         <p:nvSpPr>
-          <p:cNvPr id="52228" name="2 Título"/>
+          <p:cNvPr id="47106" name="2 Título"/>
           <p:cNvSpPr>
             <a:spLocks/>
           </p:cNvSpPr>
@@ -19676,6 +18900,224 @@
           </a:p>
         </p:txBody>
       </p:sp>
+    </p:spTree>
+  </p:cSld>
+  <p:clrMapOvr>
+    <a:masterClrMapping/>
+  </p:clrMapOvr>
+</p:sld>
+</file>
+
+<file path=ppt/slides/slide27.xml><?xml version="1.0" encoding="utf-8"?>
+<p:sld xmlns:a="http://schemas.openxmlformats.org/drawingml/2006/main" xmlns:r="http://schemas.openxmlformats.org/officeDocument/2006/relationships" xmlns:p="http://schemas.openxmlformats.org/presentationml/2006/main">
+  <p:cSld>
+    <p:spTree>
+      <p:nvGrpSpPr>
+        <p:cNvPr id="1" name=""/>
+        <p:cNvGrpSpPr/>
+        <p:nvPr/>
+      </p:nvGrpSpPr>
+      <p:grpSpPr>
+        <a:xfrm>
+          <a:off x="0" y="0"/>
+          <a:ext cx="0" cy="0"/>
+          <a:chOff x="0" y="0"/>
+          <a:chExt cx="0" cy="0"/>
+        </a:xfrm>
+      </p:grpSpPr>
+      <p:sp>
+        <p:nvSpPr>
+          <p:cNvPr id="48129" name="2 Título"/>
+          <p:cNvSpPr>
+            <a:spLocks noGrp="1"/>
+          </p:cNvSpPr>
+          <p:nvPr>
+            <p:ph type="title" idx="4294967295"/>
+          </p:nvPr>
+        </p:nvSpPr>
+        <p:spPr>
+          <a:xfrm>
+            <a:off x="395288" y="2852738"/>
+            <a:ext cx="8445500" cy="1252537"/>
+          </a:xfrm>
+        </p:spPr>
+        <p:txBody>
+          <a:bodyPr/>
+          <a:lstStyle/>
+          <a:p>
+            <a:pPr eaLnBrk="1" hangingPunct="1"/>
+            <a:r>
+              <a:rPr lang="es-PE" sz="4000" b="1" smtClean="0">
+                <a:solidFill>
+                  <a:schemeClr val="tx1"/>
+                </a:solidFill>
+              </a:rPr>
+              <a:t>Benchmarking</a:t>
+            </a:r>
+            <a:br>
+              <a:rPr lang="es-PE" sz="4000" b="1" smtClean="0">
+                <a:solidFill>
+                  <a:schemeClr val="tx1"/>
+                </a:solidFill>
+              </a:rPr>
+            </a:br>
+            <a:r>
+              <a:rPr lang="es-PE" sz="4000" b="1" smtClean="0">
+                <a:solidFill>
+                  <a:schemeClr val="tx1"/>
+                </a:solidFill>
+              </a:rPr>
+              <a:t>(Contratos de Clientes)</a:t>
+            </a:r>
+          </a:p>
+        </p:txBody>
+      </p:sp>
+    </p:spTree>
+  </p:cSld>
+  <p:clrMapOvr>
+    <a:masterClrMapping/>
+  </p:clrMapOvr>
+</p:sld>
+</file>
+
+<file path=ppt/slides/slide28.xml><?xml version="1.0" encoding="utf-8"?>
+<p:sld xmlns:a="http://schemas.openxmlformats.org/drawingml/2006/main" xmlns:r="http://schemas.openxmlformats.org/officeDocument/2006/relationships" xmlns:p="http://schemas.openxmlformats.org/presentationml/2006/main">
+  <p:cSld>
+    <p:spTree>
+      <p:nvGrpSpPr>
+        <p:cNvPr id="1" name=""/>
+        <p:cNvGrpSpPr/>
+        <p:nvPr/>
+      </p:nvGrpSpPr>
+      <p:grpSpPr>
+        <a:xfrm>
+          <a:off x="0" y="0"/>
+          <a:ext cx="0" cy="0"/>
+          <a:chOff x="0" y="0"/>
+          <a:chExt cx="0" cy="0"/>
+        </a:xfrm>
+      </p:grpSpPr>
+      <p:pic>
+        <p:nvPicPr>
+          <p:cNvPr id="49153" name="Picture 3"/>
+          <p:cNvPicPr>
+            <a:picLocks noChangeAspect="1" noChangeArrowheads="1"/>
+          </p:cNvPicPr>
+          <p:nvPr/>
+        </p:nvPicPr>
+        <p:blipFill>
+          <a:blip r:embed="rId2"/>
+          <a:srcRect/>
+          <a:stretch>
+            <a:fillRect/>
+          </a:stretch>
+        </p:blipFill>
+        <p:spPr bwMode="auto">
+          <a:xfrm>
+            <a:off x="539750" y="1054100"/>
+            <a:ext cx="8277225" cy="5543550"/>
+          </a:xfrm>
+          <a:prstGeom prst="rect">
+            <a:avLst/>
+          </a:prstGeom>
+          <a:noFill/>
+          <a:ln w="9525">
+            <a:noFill/>
+            <a:miter lim="800000"/>
+            <a:headEnd/>
+            <a:tailEnd/>
+          </a:ln>
+        </p:spPr>
+      </p:pic>
+    </p:spTree>
+  </p:cSld>
+  <p:clrMapOvr>
+    <a:masterClrMapping/>
+  </p:clrMapOvr>
+</p:sld>
+</file>
+
+<file path=ppt/slides/slide29.xml><?xml version="1.0" encoding="utf-8"?>
+<p:sld xmlns:a="http://schemas.openxmlformats.org/drawingml/2006/main" xmlns:r="http://schemas.openxmlformats.org/officeDocument/2006/relationships" xmlns:p="http://schemas.openxmlformats.org/presentationml/2006/main">
+  <p:cSld>
+    <p:spTree>
+      <p:nvGrpSpPr>
+        <p:cNvPr id="1" name=""/>
+        <p:cNvGrpSpPr/>
+        <p:nvPr/>
+      </p:nvGrpSpPr>
+      <p:grpSpPr>
+        <a:xfrm>
+          <a:off x="0" y="0"/>
+          <a:ext cx="0" cy="0"/>
+          <a:chOff x="0" y="0"/>
+          <a:chExt cx="0" cy="0"/>
+        </a:xfrm>
+      </p:grpSpPr>
+      <p:pic>
+        <p:nvPicPr>
+          <p:cNvPr id="50177" name="Picture 3"/>
+          <p:cNvPicPr>
+            <a:picLocks noChangeAspect="1" noChangeArrowheads="1"/>
+          </p:cNvPicPr>
+          <p:nvPr/>
+        </p:nvPicPr>
+        <p:blipFill>
+          <a:blip r:embed="rId2"/>
+          <a:srcRect/>
+          <a:stretch>
+            <a:fillRect/>
+          </a:stretch>
+        </p:blipFill>
+        <p:spPr bwMode="auto">
+          <a:xfrm>
+            <a:off x="323850" y="2997200"/>
+            <a:ext cx="8286750" cy="3429000"/>
+          </a:xfrm>
+          <a:prstGeom prst="rect">
+            <a:avLst/>
+          </a:prstGeom>
+          <a:noFill/>
+          <a:ln w="9525">
+            <a:noFill/>
+            <a:miter lim="800000"/>
+            <a:headEnd/>
+            <a:tailEnd/>
+          </a:ln>
+        </p:spPr>
+      </p:pic>
+      <p:pic>
+        <p:nvPicPr>
+          <p:cNvPr id="50179" name="Picture 4"/>
+          <p:cNvPicPr>
+            <a:picLocks noChangeAspect="1" noChangeArrowheads="1"/>
+          </p:cNvPicPr>
+          <p:nvPr/>
+        </p:nvPicPr>
+        <p:blipFill>
+          <a:blip r:embed="rId3"/>
+          <a:srcRect/>
+          <a:stretch>
+            <a:fillRect/>
+          </a:stretch>
+        </p:blipFill>
+        <p:spPr bwMode="auto">
+          <a:xfrm>
+            <a:off x="323850" y="1949450"/>
+            <a:ext cx="8286750" cy="1047750"/>
+          </a:xfrm>
+          <a:prstGeom prst="rect">
+            <a:avLst/>
+          </a:prstGeom>
+          <a:noFill/>
+          <a:ln w="9525">
+            <a:noFill/>
+            <a:miter lim="800000"/>
+            <a:headEnd/>
+            <a:tailEnd/>
+          </a:ln>
+        </p:spPr>
+      </p:pic>
     </p:spTree>
   </p:cSld>
   <p:clrMapOvr>
@@ -20474,53 +19916,70 @@
           <a:chExt cx="0" cy="0"/>
         </a:xfrm>
       </p:grpSpPr>
-      <p:sp>
-        <p:nvSpPr>
-          <p:cNvPr id="53250" name="2 Título"/>
-          <p:cNvSpPr>
-            <a:spLocks noGrp="1"/>
-          </p:cNvSpPr>
-          <p:nvPr>
-            <p:ph type="title" idx="4294967295"/>
-          </p:nvPr>
-        </p:nvSpPr>
-        <p:spPr>
+      <p:pic>
+        <p:nvPicPr>
+          <p:cNvPr id="51201" name="Picture 3"/>
+          <p:cNvPicPr>
+            <a:picLocks noChangeAspect="1" noChangeArrowheads="1"/>
+          </p:cNvPicPr>
+          <p:nvPr/>
+        </p:nvPicPr>
+        <p:blipFill>
+          <a:blip r:embed="rId2"/>
+          <a:srcRect/>
+          <a:stretch>
+            <a:fillRect/>
+          </a:stretch>
+        </p:blipFill>
+        <p:spPr bwMode="auto">
           <a:xfrm>
-            <a:off x="395288" y="2852738"/>
-            <a:ext cx="8445500" cy="1252537"/>
+            <a:off x="395288" y="2276475"/>
+            <a:ext cx="8315325" cy="4171950"/>
           </a:xfrm>
+          <a:prstGeom prst="rect">
+            <a:avLst/>
+          </a:prstGeom>
+          <a:noFill/>
+          <a:ln w="9525">
+            <a:noFill/>
+            <a:miter lim="800000"/>
+            <a:headEnd/>
+            <a:tailEnd/>
+          </a:ln>
         </p:spPr>
-        <p:txBody>
-          <a:bodyPr/>
-          <a:lstStyle/>
-          <a:p>
-            <a:pPr eaLnBrk="1" hangingPunct="1"/>
-            <a:r>
-              <a:rPr lang="es-PE" sz="4000" b="1" smtClean="0">
-                <a:solidFill>
-                  <a:schemeClr val="tx1"/>
-                </a:solidFill>
-              </a:rPr>
-              <a:t>Benchmarking</a:t>
-            </a:r>
-            <a:br>
-              <a:rPr lang="es-PE" sz="4000" b="1" smtClean="0">
-                <a:solidFill>
-                  <a:schemeClr val="tx1"/>
-                </a:solidFill>
-              </a:rPr>
-            </a:br>
-            <a:r>
-              <a:rPr lang="es-PE" sz="4000" b="1" smtClean="0">
-                <a:solidFill>
-                  <a:schemeClr val="tx1"/>
-                </a:solidFill>
-              </a:rPr>
-              <a:t>(Contratos de Clientes)</a:t>
-            </a:r>
-          </a:p>
-        </p:txBody>
-      </p:sp>
+      </p:pic>
+      <p:pic>
+        <p:nvPicPr>
+          <p:cNvPr id="51202" name="Picture 4"/>
+          <p:cNvPicPr>
+            <a:picLocks noChangeAspect="1" noChangeArrowheads="1"/>
+          </p:cNvPicPr>
+          <p:nvPr/>
+        </p:nvPicPr>
+        <p:blipFill>
+          <a:blip r:embed="rId3"/>
+          <a:srcRect/>
+          <a:stretch>
+            <a:fillRect/>
+          </a:stretch>
+        </p:blipFill>
+        <p:spPr bwMode="auto">
+          <a:xfrm>
+            <a:off x="395288" y="1268413"/>
+            <a:ext cx="8286750" cy="1047750"/>
+          </a:xfrm>
+          <a:prstGeom prst="rect">
+            <a:avLst/>
+          </a:prstGeom>
+          <a:noFill/>
+          <a:ln w="9525">
+            <a:noFill/>
+            <a:miter lim="800000"/>
+            <a:headEnd/>
+            <a:tailEnd/>
+          </a:ln>
+        </p:spPr>
+      </p:pic>
     </p:spTree>
   </p:cSld>
   <p:clrMapOvr>
@@ -20548,7 +20007,7 @@
       </p:grpSpPr>
       <p:pic>
         <p:nvPicPr>
-          <p:cNvPr id="54275" name="Picture 3"/>
+          <p:cNvPr id="52225" name="Picture 4"/>
           <p:cNvPicPr>
             <a:picLocks noChangeAspect="1" noChangeArrowheads="1"/>
           </p:cNvPicPr>
@@ -20563,8 +20022,8 @@
         </p:blipFill>
         <p:spPr bwMode="auto">
           <a:xfrm>
-            <a:off x="539750" y="1054100"/>
-            <a:ext cx="8277225" cy="5543550"/>
+            <a:off x="468313" y="2708275"/>
+            <a:ext cx="8315325" cy="3981450"/>
           </a:xfrm>
           <a:prstGeom prst="rect">
             <a:avLst/>
@@ -20576,7 +20035,70 @@
             <a:headEnd/>
             <a:tailEnd/>
           </a:ln>
-          <a:effectLst/>
+        </p:spPr>
+      </p:pic>
+      <p:pic>
+        <p:nvPicPr>
+          <p:cNvPr id="52226" name="Picture 5"/>
+          <p:cNvPicPr>
+            <a:picLocks noChangeAspect="1" noChangeArrowheads="1"/>
+          </p:cNvPicPr>
+          <p:nvPr/>
+        </p:nvPicPr>
+        <p:blipFill>
+          <a:blip r:embed="rId3"/>
+          <a:srcRect/>
+          <a:stretch>
+            <a:fillRect/>
+          </a:stretch>
+        </p:blipFill>
+        <p:spPr bwMode="auto">
+          <a:xfrm>
+            <a:off x="468313" y="2492375"/>
+            <a:ext cx="8277225" cy="209550"/>
+          </a:xfrm>
+          <a:prstGeom prst="rect">
+            <a:avLst/>
+          </a:prstGeom>
+          <a:noFill/>
+          <a:ln w="9525">
+            <a:noFill/>
+            <a:miter lim="800000"/>
+            <a:headEnd/>
+            <a:tailEnd/>
+          </a:ln>
+        </p:spPr>
+      </p:pic>
+      <p:pic>
+        <p:nvPicPr>
+          <p:cNvPr id="52227" name="Picture 6"/>
+          <p:cNvPicPr>
+            <a:picLocks noChangeAspect="1" noChangeArrowheads="1"/>
+          </p:cNvPicPr>
+          <p:nvPr/>
+        </p:nvPicPr>
+        <p:blipFill>
+          <a:blip r:embed="rId4"/>
+          <a:srcRect/>
+          <a:stretch>
+            <a:fillRect/>
+          </a:stretch>
+        </p:blipFill>
+        <p:spPr bwMode="auto">
+          <a:xfrm>
+            <a:off x="468313" y="1444625"/>
+            <a:ext cx="8286750" cy="1047750"/>
+          </a:xfrm>
+          <a:prstGeom prst="rect">
+            <a:avLst/>
+          </a:prstGeom>
+          <a:noFill/>
+          <a:ln w="9525">
+            <a:noFill/>
+            <a:miter lim="800000"/>
+            <a:headEnd/>
+            <a:tailEnd/>
+          </a:ln>
         </p:spPr>
       </p:pic>
     </p:spTree>
@@ -20604,282 +20126,9 @@
           <a:chExt cx="0" cy="0"/>
         </a:xfrm>
       </p:grpSpPr>
-      <p:pic>
-        <p:nvPicPr>
-          <p:cNvPr id="55299" name="Picture 3"/>
-          <p:cNvPicPr>
-            <a:picLocks noChangeAspect="1" noChangeArrowheads="1"/>
-          </p:cNvPicPr>
-          <p:nvPr/>
-        </p:nvPicPr>
-        <p:blipFill>
-          <a:blip r:embed="rId2"/>
-          <a:srcRect/>
-          <a:stretch>
-            <a:fillRect/>
-          </a:stretch>
-        </p:blipFill>
-        <p:spPr bwMode="auto">
-          <a:xfrm>
-            <a:off x="323850" y="2997200"/>
-            <a:ext cx="8286750" cy="3429000"/>
-          </a:xfrm>
-          <a:prstGeom prst="rect">
-            <a:avLst/>
-          </a:prstGeom>
-          <a:noFill/>
-          <a:ln w="9525">
-            <a:noFill/>
-            <a:miter lim="800000"/>
-            <a:headEnd/>
-            <a:tailEnd/>
-          </a:ln>
-          <a:effectLst/>
-        </p:spPr>
-      </p:pic>
-    </p:spTree>
-  </p:cSld>
-  <p:clrMapOvr>
-    <a:masterClrMapping/>
-  </p:clrMapOvr>
-</p:sld>
-</file>
-
-<file path=ppt/slides/slide33.xml><?xml version="1.0" encoding="utf-8"?>
-<p:sld xmlns:a="http://schemas.openxmlformats.org/drawingml/2006/main" xmlns:r="http://schemas.openxmlformats.org/officeDocument/2006/relationships" xmlns:p="http://schemas.openxmlformats.org/presentationml/2006/main">
-  <p:cSld>
-    <p:spTree>
-      <p:nvGrpSpPr>
-        <p:cNvPr id="1" name=""/>
-        <p:cNvGrpSpPr/>
-        <p:nvPr/>
-      </p:nvGrpSpPr>
-      <p:grpSpPr>
-        <a:xfrm>
-          <a:off x="0" y="0"/>
-          <a:ext cx="0" cy="0"/>
-          <a:chOff x="0" y="0"/>
-          <a:chExt cx="0" cy="0"/>
-        </a:xfrm>
-      </p:grpSpPr>
-      <p:pic>
-        <p:nvPicPr>
-          <p:cNvPr id="56323" name="Picture 3"/>
-          <p:cNvPicPr>
-            <a:picLocks noChangeAspect="1" noChangeArrowheads="1"/>
-          </p:cNvPicPr>
-          <p:nvPr/>
-        </p:nvPicPr>
-        <p:blipFill>
-          <a:blip r:embed="rId2"/>
-          <a:srcRect/>
-          <a:stretch>
-            <a:fillRect/>
-          </a:stretch>
-        </p:blipFill>
-        <p:spPr bwMode="auto">
-          <a:xfrm>
-            <a:off x="395288" y="2276475"/>
-            <a:ext cx="8315325" cy="4171950"/>
-          </a:xfrm>
-          <a:prstGeom prst="rect">
-            <a:avLst/>
-          </a:prstGeom>
-          <a:noFill/>
-          <a:ln w="9525">
-            <a:noFill/>
-            <a:miter lim="800000"/>
-            <a:headEnd/>
-            <a:tailEnd/>
-          </a:ln>
-          <a:effectLst/>
-        </p:spPr>
-      </p:pic>
-      <p:pic>
-        <p:nvPicPr>
-          <p:cNvPr id="56324" name="Picture 4"/>
-          <p:cNvPicPr>
-            <a:picLocks noChangeAspect="1" noChangeArrowheads="1"/>
-          </p:cNvPicPr>
-          <p:nvPr/>
-        </p:nvPicPr>
-        <p:blipFill>
-          <a:blip r:embed="rId3"/>
-          <a:srcRect/>
-          <a:stretch>
-            <a:fillRect/>
-          </a:stretch>
-        </p:blipFill>
-        <p:spPr bwMode="auto">
-          <a:xfrm>
-            <a:off x="395288" y="1268413"/>
-            <a:ext cx="8286750" cy="1047750"/>
-          </a:xfrm>
-          <a:prstGeom prst="rect">
-            <a:avLst/>
-          </a:prstGeom>
-          <a:noFill/>
-          <a:ln w="9525">
-            <a:noFill/>
-            <a:miter lim="800000"/>
-            <a:headEnd/>
-            <a:tailEnd/>
-          </a:ln>
-          <a:effectLst/>
-        </p:spPr>
-      </p:pic>
-    </p:spTree>
-  </p:cSld>
-  <p:clrMapOvr>
-    <a:masterClrMapping/>
-  </p:clrMapOvr>
-</p:sld>
-</file>
-
-<file path=ppt/slides/slide34.xml><?xml version="1.0" encoding="utf-8"?>
-<p:sld xmlns:a="http://schemas.openxmlformats.org/drawingml/2006/main" xmlns:r="http://schemas.openxmlformats.org/officeDocument/2006/relationships" xmlns:p="http://schemas.openxmlformats.org/presentationml/2006/main">
-  <p:cSld>
-    <p:spTree>
-      <p:nvGrpSpPr>
-        <p:cNvPr id="1" name=""/>
-        <p:cNvGrpSpPr/>
-        <p:nvPr/>
-      </p:nvGrpSpPr>
-      <p:grpSpPr>
-        <a:xfrm>
-          <a:off x="0" y="0"/>
-          <a:ext cx="0" cy="0"/>
-          <a:chOff x="0" y="0"/>
-          <a:chExt cx="0" cy="0"/>
-        </a:xfrm>
-      </p:grpSpPr>
-      <p:pic>
-        <p:nvPicPr>
-          <p:cNvPr id="57348" name="Picture 4"/>
-          <p:cNvPicPr>
-            <a:picLocks noChangeAspect="1" noChangeArrowheads="1"/>
-          </p:cNvPicPr>
-          <p:nvPr/>
-        </p:nvPicPr>
-        <p:blipFill>
-          <a:blip r:embed="rId2"/>
-          <a:srcRect/>
-          <a:stretch>
-            <a:fillRect/>
-          </a:stretch>
-        </p:blipFill>
-        <p:spPr bwMode="auto">
-          <a:xfrm>
-            <a:off x="468313" y="2708275"/>
-            <a:ext cx="8315325" cy="3981450"/>
-          </a:xfrm>
-          <a:prstGeom prst="rect">
-            <a:avLst/>
-          </a:prstGeom>
-          <a:noFill/>
-          <a:ln w="9525">
-            <a:noFill/>
-            <a:miter lim="800000"/>
-            <a:headEnd/>
-            <a:tailEnd/>
-          </a:ln>
-          <a:effectLst/>
-        </p:spPr>
-      </p:pic>
-      <p:pic>
-        <p:nvPicPr>
-          <p:cNvPr id="57349" name="Picture 5"/>
-          <p:cNvPicPr>
-            <a:picLocks noChangeAspect="1" noChangeArrowheads="1"/>
-          </p:cNvPicPr>
-          <p:nvPr/>
-        </p:nvPicPr>
-        <p:blipFill>
-          <a:blip r:embed="rId3"/>
-          <a:srcRect/>
-          <a:stretch>
-            <a:fillRect/>
-          </a:stretch>
-        </p:blipFill>
-        <p:spPr bwMode="auto">
-          <a:xfrm>
-            <a:off x="468313" y="2492375"/>
-            <a:ext cx="8277225" cy="209550"/>
-          </a:xfrm>
-          <a:prstGeom prst="rect">
-            <a:avLst/>
-          </a:prstGeom>
-          <a:noFill/>
-          <a:ln w="9525">
-            <a:noFill/>
-            <a:miter lim="800000"/>
-            <a:headEnd/>
-            <a:tailEnd/>
-          </a:ln>
-          <a:effectLst/>
-        </p:spPr>
-      </p:pic>
-      <p:pic>
-        <p:nvPicPr>
-          <p:cNvPr id="57350" name="Picture 6"/>
-          <p:cNvPicPr>
-            <a:picLocks noChangeAspect="1" noChangeArrowheads="1"/>
-          </p:cNvPicPr>
-          <p:nvPr/>
-        </p:nvPicPr>
-        <p:blipFill>
-          <a:blip r:embed="rId4"/>
-          <a:srcRect/>
-          <a:stretch>
-            <a:fillRect/>
-          </a:stretch>
-        </p:blipFill>
-        <p:spPr bwMode="auto">
-          <a:xfrm>
-            <a:off x="468313" y="1444625"/>
-            <a:ext cx="8286750" cy="1047750"/>
-          </a:xfrm>
-          <a:prstGeom prst="rect">
-            <a:avLst/>
-          </a:prstGeom>
-          <a:noFill/>
-          <a:ln w="9525">
-            <a:noFill/>
-            <a:miter lim="800000"/>
-            <a:headEnd/>
-            <a:tailEnd/>
-          </a:ln>
-          <a:effectLst/>
-        </p:spPr>
-      </p:pic>
-    </p:spTree>
-  </p:cSld>
-  <p:clrMapOvr>
-    <a:masterClrMapping/>
-  </p:clrMapOvr>
-</p:sld>
-</file>
-
-<file path=ppt/slides/slide35.xml><?xml version="1.0" encoding="utf-8"?>
-<p:sld xmlns:a="http://schemas.openxmlformats.org/drawingml/2006/main" xmlns:r="http://schemas.openxmlformats.org/officeDocument/2006/relationships" xmlns:p="http://schemas.openxmlformats.org/presentationml/2006/main">
-  <p:cSld>
-    <p:spTree>
-      <p:nvGrpSpPr>
-        <p:cNvPr id="1" name=""/>
-        <p:cNvGrpSpPr/>
-        <p:nvPr/>
-      </p:nvGrpSpPr>
-      <p:grpSpPr>
-        <a:xfrm>
-          <a:off x="0" y="0"/>
-          <a:ext cx="0" cy="0"/>
-          <a:chOff x="0" y="0"/>
-          <a:chExt cx="0" cy="0"/>
-        </a:xfrm>
-      </p:grpSpPr>
       <p:sp>
         <p:nvSpPr>
-          <p:cNvPr id="39937" name="1 Título"/>
+          <p:cNvPr id="53249" name="1 Título"/>
           <p:cNvSpPr>
             <a:spLocks noGrp="1"/>
           </p:cNvSpPr>
@@ -20908,7 +20157,7 @@
       </p:sp>
       <p:sp>
         <p:nvSpPr>
-          <p:cNvPr id="39938" name="2 Subtítulo"/>
+          <p:cNvPr id="53250" name="2 Subtítulo"/>
           <p:cNvSpPr>
             <a:spLocks noGrp="1"/>
           </p:cNvSpPr>
@@ -20936,7 +20185,7 @@
       </p:sp>
       <p:sp>
         <p:nvSpPr>
-          <p:cNvPr id="39939" name="3 CuadroTexto"/>
+          <p:cNvPr id="53251" name="3 CuadroTexto"/>
           <p:cNvSpPr txBox="1">
             <a:spLocks noChangeArrowheads="1"/>
           </p:cNvSpPr>
@@ -21021,7 +20270,7 @@
       </p:sp>
       <p:sp>
         <p:nvSpPr>
-          <p:cNvPr id="39940" name="4 CuadroTexto"/>
+          <p:cNvPr id="53252" name="4 CuadroTexto"/>
           <p:cNvSpPr txBox="1">
             <a:spLocks noChangeArrowheads="1"/>
           </p:cNvSpPr>

--- a/trunk/ tsp01-contratos-clientes/ITERACION02_TP01/S03/PPT I02 SI03 MCUS v2.pptx
+++ b/trunk/ tsp01-contratos-clientes/ITERACION02_TP01/S03/PPT I02 SI03 MCUS v2.pptx
@@ -278,7 +278,7 @@
               <a:pPr>
                 <a:defRPr/>
               </a:pPr>
-              <a:t>11/06/2012</a:t>
+              <a:t>14/06/2012</a:t>
             </a:fld>
             <a:endParaRPr lang="es-PE"/>
           </a:p>
@@ -2714,7 +2714,7 @@
               <a:pPr>
                 <a:defRPr/>
               </a:pPr>
-              <a:t>11/06/2012</a:t>
+              <a:t>14/06/2012</a:t>
             </a:fld>
             <a:endParaRPr lang="es-PE"/>
           </a:p>
@@ -2922,7 +2922,7 @@
               <a:pPr>
                 <a:defRPr/>
               </a:pPr>
-              <a:t>11/06/2012</a:t>
+              <a:t>14/06/2012</a:t>
             </a:fld>
             <a:endParaRPr lang="es-PE"/>
           </a:p>
@@ -4827,7 +4827,7 @@
               <a:pPr>
                 <a:defRPr/>
               </a:pPr>
-              <a:t>11/06/2012</a:t>
+              <a:t>14/06/2012</a:t>
             </a:fld>
             <a:endParaRPr lang="es-PE"/>
           </a:p>
@@ -4944,7 +4944,7 @@
               <a:pPr>
                 <a:defRPr/>
               </a:pPr>
-              <a:t>11/06/2012</a:t>
+              <a:t>14/06/2012</a:t>
             </a:fld>
             <a:endParaRPr lang="es-PE"/>
           </a:p>
@@ -5136,7 +5136,7 @@
               <a:pPr>
                 <a:defRPr/>
               </a:pPr>
-              <a:t>11/06/2012</a:t>
+              <a:t>14/06/2012</a:t>
             </a:fld>
             <a:endParaRPr lang="es-PE"/>
           </a:p>
@@ -7053,7 +7053,7 @@
               <a:pPr>
                 <a:defRPr/>
               </a:pPr>
-              <a:t>11/06/2012</a:t>
+              <a:t>14/06/2012</a:t>
             </a:fld>
             <a:endParaRPr lang="es-PE"/>
           </a:p>
@@ -7307,7 +7307,7 @@
               <a:pPr>
                 <a:defRPr/>
               </a:pPr>
-              <a:t>11/06/2012</a:t>
+              <a:t>14/06/2012</a:t>
             </a:fld>
             <a:endParaRPr lang="es-PE"/>
           </a:p>
@@ -7761,7 +7761,7 @@
               <a:pPr>
                 <a:defRPr/>
               </a:pPr>
-              <a:t>11/06/2012</a:t>
+              <a:t>14/06/2012</a:t>
             </a:fld>
             <a:endParaRPr lang="es-PE"/>
           </a:p>
@@ -7901,7 +7901,7 @@
               <a:pPr>
                 <a:defRPr/>
               </a:pPr>
-              <a:t>11/06/2012</a:t>
+              <a:t>14/06/2012</a:t>
             </a:fld>
             <a:endParaRPr lang="es-PE"/>
           </a:p>
@@ -9682,7 +9682,7 @@
               <a:pPr>
                 <a:defRPr/>
               </a:pPr>
-              <a:t>11/06/2012</a:t>
+              <a:t>14/06/2012</a:t>
             </a:fld>
             <a:endParaRPr lang="es-PE"/>
           </a:p>
@@ -11698,7 +11698,7 @@
               <a:pPr>
                 <a:defRPr/>
               </a:pPr>
-              <a:t>11/06/2012</a:t>
+              <a:t>14/06/2012</a:t>
             </a:fld>
             <a:endParaRPr lang="es-PE"/>
           </a:p>
@@ -13685,7 +13685,7 @@
               <a:pPr>
                 <a:defRPr/>
               </a:pPr>
-              <a:t>11/06/2012</a:t>
+              <a:t>14/06/2012</a:t>
             </a:fld>
             <a:endParaRPr lang="es-PE"/>
           </a:p>
@@ -15533,7 +15533,7 @@
               <a:pPr>
                 <a:defRPr/>
               </a:pPr>
-              <a:t>11/06/2012</a:t>
+              <a:t>14/06/2012</a:t>
             </a:fld>
             <a:endParaRPr lang="es-PE"/>
           </a:p>
@@ -16195,7 +16195,7 @@
         <p:spPr bwMode="auto">
           <a:xfrm>
             <a:off x="2278063" y="3641725"/>
-            <a:ext cx="6264275" cy="2308225"/>
+            <a:ext cx="6264275" cy="2677656"/>
           </a:xfrm>
           <a:prstGeom prst="rect">
             <a:avLst/>
@@ -16216,51 +16216,108 @@
           <a:p>
             <a:pPr algn="r"/>
             <a:r>
-              <a:rPr lang="es-PE" sz="2400" u="none">
+              <a:rPr lang="es-PE" sz="2400" u="none" dirty="0">
                 <a:latin typeface="Candara" pitchFamily="34" charset="0"/>
               </a:rPr>
-              <a:t>Paola Rojas Chicoma</a:t>
+              <a:t>Paola Rojas </a:t>
+            </a:r>
+            <a:r>
+              <a:rPr lang="es-PE" sz="2400" u="none" dirty="0" err="1">
+                <a:latin typeface="Candara" pitchFamily="34" charset="0"/>
+              </a:rPr>
+              <a:t>Chicoma</a:t>
+            </a:r>
+            <a:endParaRPr lang="es-PE" sz="2400" u="none" dirty="0">
+              <a:latin typeface="Candara" pitchFamily="34" charset="0"/>
+            </a:endParaRPr>
+          </a:p>
+          <a:p>
+            <a:pPr algn="r"/>
+            <a:r>
+              <a:rPr lang="es-PE" sz="2400" u="none" dirty="0" err="1">
+                <a:latin typeface="Candara" pitchFamily="34" charset="0"/>
+              </a:rPr>
+              <a:t>Nestor</a:t>
+            </a:r>
+            <a:r>
+              <a:rPr lang="es-PE" sz="2400" u="none" dirty="0">
+                <a:latin typeface="Candara" pitchFamily="34" charset="0"/>
+              </a:rPr>
+              <a:t> Robles Cacha</a:t>
             </a:r>
           </a:p>
           <a:p>
             <a:pPr algn="r"/>
             <a:r>
-              <a:rPr lang="es-PE" sz="2400" u="none">
+              <a:rPr lang="es-PE" sz="2400" u="none" dirty="0">
                 <a:latin typeface="Candara" pitchFamily="34" charset="0"/>
               </a:rPr>
-              <a:t>Nestor Robles Cacha</a:t>
+              <a:t>Gabriela Rojas </a:t>
+            </a:r>
+            <a:r>
+              <a:rPr lang="es-PE" sz="2400" u="none" dirty="0" err="1">
+                <a:latin typeface="Candara" pitchFamily="34" charset="0"/>
+              </a:rPr>
+              <a:t>Munive</a:t>
+            </a:r>
+            <a:endParaRPr lang="es-PE" sz="2400" u="none" dirty="0">
+              <a:latin typeface="Candara" pitchFamily="34" charset="0"/>
+            </a:endParaRPr>
+          </a:p>
+          <a:p>
+            <a:pPr algn="r"/>
+            <a:r>
+              <a:rPr lang="es-PE" sz="2400" u="none" dirty="0">
+                <a:latin typeface="Candara" pitchFamily="34" charset="0"/>
+              </a:rPr>
+              <a:t>Augusto Suarez </a:t>
+            </a:r>
+            <a:r>
+              <a:rPr lang="es-PE" sz="2400" u="none" dirty="0" err="1">
+                <a:latin typeface="Candara" pitchFamily="34" charset="0"/>
+              </a:rPr>
+              <a:t>Gutierrez</a:t>
+            </a:r>
+            <a:endParaRPr lang="es-PE" sz="2400" u="none" dirty="0">
+              <a:latin typeface="Candara" pitchFamily="34" charset="0"/>
+            </a:endParaRPr>
+          </a:p>
+          <a:p>
+            <a:pPr algn="r"/>
+            <a:r>
+              <a:rPr lang="es-PE" sz="2400" u="none" dirty="0">
+                <a:latin typeface="Candara" pitchFamily="34" charset="0"/>
+              </a:rPr>
+              <a:t>Orlando </a:t>
+            </a:r>
+            <a:r>
+              <a:rPr lang="es-PE" sz="2400" u="none" dirty="0" err="1">
+                <a:latin typeface="Candara" pitchFamily="34" charset="0"/>
+              </a:rPr>
+              <a:t>Sedamano</a:t>
+            </a:r>
+            <a:r>
+              <a:rPr lang="es-PE" sz="2400" u="none" dirty="0">
+                <a:latin typeface="Candara" pitchFamily="34" charset="0"/>
+              </a:rPr>
+              <a:t> </a:t>
+            </a:r>
+            <a:r>
+              <a:rPr lang="es-PE" sz="2400" u="none" dirty="0" smtClean="0">
+                <a:latin typeface="Candara" pitchFamily="34" charset="0"/>
+              </a:rPr>
+              <a:t>Cornejo</a:t>
             </a:r>
           </a:p>
           <a:p>
             <a:pPr algn="r"/>
-            <a:r>
-              <a:rPr lang="es-PE" sz="2400" u="none">
-                <a:latin typeface="Candara" pitchFamily="34" charset="0"/>
-              </a:rPr>
-              <a:t>Gabriela Rojas Munive</a:t>
-            </a:r>
+            <a:endParaRPr lang="es-PE" sz="2400" u="none" dirty="0">
+              <a:latin typeface="Candara" pitchFamily="34" charset="0"/>
+            </a:endParaRPr>
           </a:p>
           <a:p>
             <a:pPr algn="r"/>
-            <a:r>
-              <a:rPr lang="es-PE" sz="2400" u="none">
-                <a:latin typeface="Candara" pitchFamily="34" charset="0"/>
-              </a:rPr>
-              <a:t>Augusto Suarez Gutierrez</a:t>
-            </a:r>
-          </a:p>
-          <a:p>
-            <a:pPr algn="r"/>
-            <a:r>
-              <a:rPr lang="es-PE" sz="2400" u="none">
-                <a:latin typeface="Candara" pitchFamily="34" charset="0"/>
-              </a:rPr>
-              <a:t>Orlando Sedamano Cornejo</a:t>
-            </a:r>
-          </a:p>
-          <a:p>
-            <a:pPr algn="r"/>
-            <a:endParaRPr lang="es-PE" sz="2400" u="none">
+            <a:endParaRPr lang="es-PE" sz="2400" u="none" dirty="0">
               <a:solidFill>
                 <a:schemeClr val="bg1"/>
               </a:solidFill>
@@ -16406,7 +16463,7 @@
           <p:nvPr/>
         </p:nvPicPr>
         <p:blipFill>
-          <a:blip r:embed="rId2"/>
+          <a:blip r:embed="rId2" cstate="print"/>
           <a:srcRect/>
           <a:stretch>
             <a:fillRect/>
@@ -16885,7 +16942,7 @@
           <p:nvPr/>
         </p:nvPicPr>
         <p:blipFill>
-          <a:blip r:embed="rId3"/>
+          <a:blip r:embed="rId3" cstate="print"/>
           <a:srcRect/>
           <a:stretch>
             <a:fillRect/>
@@ -16917,7 +16974,7 @@
           <p:nvPr/>
         </p:nvPicPr>
         <p:blipFill>
-          <a:blip r:embed="rId4">
+          <a:blip r:embed="rId4" cstate="print">
             <a:clrChange>
               <a:clrFrom>
                 <a:srgbClr val="FFFFFF"/>
@@ -16960,7 +17017,7 @@
           <p:nvPr/>
         </p:nvPicPr>
         <p:blipFill>
-          <a:blip r:embed="rId5"/>
+          <a:blip r:embed="rId5" cstate="print"/>
           <a:srcRect/>
           <a:stretch>
             <a:fillRect/>
@@ -17666,7 +17723,7 @@
           <p:nvPr/>
         </p:nvPicPr>
         <p:blipFill>
-          <a:blip r:embed="rId3"/>
+          <a:blip r:embed="rId3" cstate="print"/>
           <a:srcRect b="20111"/>
           <a:stretch>
             <a:fillRect/>
@@ -17698,7 +17755,7 @@
           <p:nvPr/>
         </p:nvPicPr>
         <p:blipFill>
-          <a:blip r:embed="rId4"/>
+          <a:blip r:embed="rId4" cstate="print"/>
           <a:srcRect b="14333"/>
           <a:stretch>
             <a:fillRect/>
@@ -17730,7 +17787,7 @@
           <p:nvPr/>
         </p:nvPicPr>
         <p:blipFill>
-          <a:blip r:embed="rId5"/>
+          <a:blip r:embed="rId5" cstate="print"/>
           <a:srcRect/>
           <a:stretch>
             <a:fillRect/>
@@ -17866,7 +17923,7 @@
           <p:nvPr/>
         </p:nvPicPr>
         <p:blipFill>
-          <a:blip r:embed="rId2"/>
+          <a:blip r:embed="rId2" cstate="print"/>
           <a:srcRect/>
           <a:stretch>
             <a:fillRect/>
@@ -18098,7 +18155,7 @@
           <p:nvPr/>
         </p:nvPicPr>
         <p:blipFill>
-          <a:blip r:embed="rId2"/>
+          <a:blip r:embed="rId2" cstate="print"/>
           <a:srcRect/>
           <a:stretch>
             <a:fillRect/>
@@ -18322,7 +18379,7 @@
           <p:nvPr/>
         </p:nvPicPr>
         <p:blipFill>
-          <a:blip r:embed="rId2"/>
+          <a:blip r:embed="rId2" cstate="print"/>
           <a:srcRect/>
           <a:stretch>
             <a:fillRect/>
@@ -18402,7 +18459,7 @@
           <p:nvPr/>
         </p:nvPicPr>
         <p:blipFill>
-          <a:blip r:embed="rId2"/>
+          <a:blip r:embed="rId2" cstate="print"/>
           <a:srcRect/>
           <a:stretch>
             <a:fillRect/>
@@ -18482,7 +18539,7 @@
           <p:nvPr/>
         </p:nvPicPr>
         <p:blipFill>
-          <a:blip r:embed="rId2"/>
+          <a:blip r:embed="rId2" cstate="print"/>
           <a:srcRect/>
           <a:stretch>
             <a:fillRect/>
@@ -18597,7 +18654,7 @@
           <p:nvPr/>
         </p:nvPicPr>
         <p:blipFill>
-          <a:blip r:embed="rId2"/>
+          <a:blip r:embed="rId2" cstate="print"/>
           <a:srcRect/>
           <a:stretch>
             <a:fillRect/>
@@ -18726,7 +18783,7 @@
           <p:nvPr/>
         </p:nvPicPr>
         <p:blipFill>
-          <a:blip r:embed="rId2"/>
+          <a:blip r:embed="rId2" cstate="print"/>
           <a:srcRect/>
           <a:stretch>
             <a:fillRect/>
@@ -18830,7 +18887,7 @@
           <p:nvPr/>
         </p:nvPicPr>
         <p:blipFill>
-          <a:blip r:embed="rId2"/>
+          <a:blip r:embed="rId2" cstate="print"/>
           <a:srcRect/>
           <a:stretch>
             <a:fillRect/>
@@ -19006,7 +19063,7 @@
           <p:nvPr/>
         </p:nvPicPr>
         <p:blipFill>
-          <a:blip r:embed="rId2"/>
+          <a:blip r:embed="rId2" cstate="print"/>
           <a:srcRect/>
           <a:stretch>
             <a:fillRect/>
@@ -19063,7 +19120,7 @@
           <p:nvPr/>
         </p:nvPicPr>
         <p:blipFill>
-          <a:blip r:embed="rId2"/>
+          <a:blip r:embed="rId2" cstate="print"/>
           <a:srcRect/>
           <a:stretch>
             <a:fillRect/>
@@ -19095,7 +19152,7 @@
           <p:nvPr/>
         </p:nvPicPr>
         <p:blipFill>
-          <a:blip r:embed="rId3"/>
+          <a:blip r:embed="rId3" cstate="print"/>
           <a:srcRect/>
           <a:stretch>
             <a:fillRect/>
@@ -19188,7 +19245,7 @@
         </p:nvGraphicFramePr>
         <p:xfrm>
           <a:off x="323850" y="2133600"/>
-          <a:ext cx="8569325" cy="4494213"/>
+          <a:ext cx="8569325" cy="4494892"/>
         </p:xfrm>
         <a:graphic>
           <a:graphicData uri="http://schemas.openxmlformats.org/drawingml/2006/table">
@@ -19925,7 +19982,7 @@
           <p:nvPr/>
         </p:nvPicPr>
         <p:blipFill>
-          <a:blip r:embed="rId2"/>
+          <a:blip r:embed="rId2" cstate="print"/>
           <a:srcRect/>
           <a:stretch>
             <a:fillRect/>
@@ -19957,7 +20014,7 @@
           <p:nvPr/>
         </p:nvPicPr>
         <p:blipFill>
-          <a:blip r:embed="rId3"/>
+          <a:blip r:embed="rId3" cstate="print"/>
           <a:srcRect/>
           <a:stretch>
             <a:fillRect/>
@@ -20014,7 +20071,7 @@
           <p:nvPr/>
         </p:nvPicPr>
         <p:blipFill>
-          <a:blip r:embed="rId2"/>
+          <a:blip r:embed="rId2" cstate="print"/>
           <a:srcRect/>
           <a:stretch>
             <a:fillRect/>
@@ -20046,7 +20103,7 @@
           <p:nvPr/>
         </p:nvPicPr>
         <p:blipFill>
-          <a:blip r:embed="rId3"/>
+          <a:blip r:embed="rId3" cstate="print"/>
           <a:srcRect/>
           <a:stretch>
             <a:fillRect/>
@@ -20078,7 +20135,7 @@
           <p:nvPr/>
         </p:nvPicPr>
         <p:blipFill>
-          <a:blip r:embed="rId4"/>
+          <a:blip r:embed="rId4" cstate="print"/>
           <a:srcRect/>
           <a:stretch>
             <a:fillRect/>
@@ -20390,7 +20447,7 @@
         </p:nvGraphicFramePr>
         <p:xfrm>
           <a:off x="323850" y="2133600"/>
-          <a:ext cx="8569325" cy="4479925"/>
+          <a:ext cx="8569325" cy="4480560"/>
         </p:xfrm>
         <a:graphic>
           <a:graphicData uri="http://schemas.openxmlformats.org/drawingml/2006/table">
@@ -21135,7 +21192,7 @@
         </p:nvGraphicFramePr>
         <p:xfrm>
           <a:off x="323850" y="2349500"/>
-          <a:ext cx="8569325" cy="4206875"/>
+          <a:ext cx="8569325" cy="4206240"/>
         </p:xfrm>
         <a:graphic>
           <a:graphicData uri="http://schemas.openxmlformats.org/drawingml/2006/table">
@@ -21650,7 +21707,7 @@
         </p:nvGraphicFramePr>
         <p:xfrm>
           <a:off x="323850" y="2349500"/>
-          <a:ext cx="8569325" cy="4206875"/>
+          <a:ext cx="8569325" cy="4206240"/>
         </p:xfrm>
         <a:graphic>
           <a:graphicData uri="http://schemas.openxmlformats.org/drawingml/2006/table">
